--- a/slides/02_git.pptx
+++ b/slides/02_git.pptx
@@ -37,14 +37,15 @@
     <p:sldId id="297" r:id="rId31"/>
     <p:sldId id="284" r:id="rId32"/>
     <p:sldId id="286" r:id="rId33"/>
-    <p:sldId id="287" r:id="rId34"/>
-    <p:sldId id="288" r:id="rId35"/>
-    <p:sldId id="289" r:id="rId36"/>
-    <p:sldId id="290" r:id="rId37"/>
-    <p:sldId id="291" r:id="rId38"/>
-    <p:sldId id="292" r:id="rId39"/>
-    <p:sldId id="293" r:id="rId40"/>
-    <p:sldId id="294" r:id="rId41"/>
+    <p:sldId id="298" r:id="rId34"/>
+    <p:sldId id="287" r:id="rId35"/>
+    <p:sldId id="288" r:id="rId36"/>
+    <p:sldId id="289" r:id="rId37"/>
+    <p:sldId id="290" r:id="rId38"/>
+    <p:sldId id="291" r:id="rId39"/>
+    <p:sldId id="292" r:id="rId40"/>
+    <p:sldId id="293" r:id="rId41"/>
+    <p:sldId id="294" r:id="rId42"/>
   </p:sldIdLst>
   <p:sldSz cx="12192000" cy="6858000"/>
   <p:notesSz cx="6858000" cy="9144000"/>
@@ -143,6 +144,11 @@
       </a:defRPr>
     </a:lvl9pPr>
   </p:defaultTextStyle>
+  <p:extLst>
+    <p:ext uri="{EFAFB233-063F-42B5-8137-9DF3F51BA10A}">
+      <p15:sldGuideLst xmlns:p15="http://schemas.microsoft.com/office/powerpoint/2012/main"/>
+    </p:ext>
+  </p:extLst>
 </p:presentation>
 </file>
 
@@ -3087,11 +3093,11 @@
   <p:clrMapOvr>
     <a:masterClrMapping/>
   </p:clrMapOvr>
-  <mc:AlternateContent xmlns:mc="http://schemas.openxmlformats.org/markup-compatibility/2006">
-    <mc:Choice xmlns:p14="http://schemas.microsoft.com/office/powerpoint/2010/main" Requires="p14">
+  <mc:AlternateContent xmlns:mc="http://schemas.openxmlformats.org/markup-compatibility/2006" xmlns:p14="http://schemas.microsoft.com/office/powerpoint/2010/main">
+    <mc:Choice Requires="p14">
       <p:transition spd="slow" p14:dur="2000"/>
     </mc:Choice>
-    <mc:Fallback>
+    <mc:Fallback xmlns="">
       <p:transition spd="slow"/>
     </mc:Fallback>
   </mc:AlternateContent>
@@ -3361,11 +3367,11 @@
   <p:clrMapOvr>
     <a:masterClrMapping/>
   </p:clrMapOvr>
-  <mc:AlternateContent xmlns:mc="http://schemas.openxmlformats.org/markup-compatibility/2006">
-    <mc:Choice xmlns:p14="http://schemas.microsoft.com/office/powerpoint/2010/main" Requires="p14">
+  <mc:AlternateContent xmlns:mc="http://schemas.openxmlformats.org/markup-compatibility/2006" xmlns:p14="http://schemas.microsoft.com/office/powerpoint/2010/main">
+    <mc:Choice Requires="p14">
       <p:transition spd="slow" p14:dur="2000"/>
     </mc:Choice>
-    <mc:Fallback>
+    <mc:Fallback xmlns="">
       <p:transition spd="slow"/>
     </mc:Fallback>
   </mc:AlternateContent>
@@ -3948,11 +3954,11 @@
   <p:clrMapOvr>
     <a:masterClrMapping/>
   </p:clrMapOvr>
-  <mc:AlternateContent xmlns:mc="http://schemas.openxmlformats.org/markup-compatibility/2006">
-    <mc:Choice xmlns:p14="http://schemas.microsoft.com/office/powerpoint/2010/main" Requires="p14">
+  <mc:AlternateContent xmlns:mc="http://schemas.openxmlformats.org/markup-compatibility/2006" xmlns:p14="http://schemas.microsoft.com/office/powerpoint/2010/main">
+    <mc:Choice Requires="p14">
       <p:transition spd="slow" p14:dur="2000"/>
     </mc:Choice>
-    <mc:Fallback>
+    <mc:Fallback xmlns="">
       <p:transition spd="slow"/>
     </mc:Fallback>
   </mc:AlternateContent>
@@ -4391,11 +4397,11 @@
   <p:clrMapOvr>
     <a:masterClrMapping/>
   </p:clrMapOvr>
-  <mc:AlternateContent xmlns:mc="http://schemas.openxmlformats.org/markup-compatibility/2006">
-    <mc:Choice xmlns:p14="http://schemas.microsoft.com/office/powerpoint/2010/main" Requires="p14">
+  <mc:AlternateContent xmlns:mc="http://schemas.openxmlformats.org/markup-compatibility/2006" xmlns:p14="http://schemas.microsoft.com/office/powerpoint/2010/main">
+    <mc:Choice Requires="p14">
       <p:transition spd="slow" p14:dur="2000"/>
     </mc:Choice>
-    <mc:Fallback>
+    <mc:Fallback xmlns="">
       <p:transition spd="slow"/>
     </mc:Fallback>
   </mc:AlternateContent>
@@ -4686,11 +4692,11 @@
   <p:clrMapOvr>
     <a:masterClrMapping/>
   </p:clrMapOvr>
-  <mc:AlternateContent xmlns:mc="http://schemas.openxmlformats.org/markup-compatibility/2006">
-    <mc:Choice xmlns:p14="http://schemas.microsoft.com/office/powerpoint/2010/main" Requires="p14">
+  <mc:AlternateContent xmlns:mc="http://schemas.openxmlformats.org/markup-compatibility/2006" xmlns:p14="http://schemas.microsoft.com/office/powerpoint/2010/main">
+    <mc:Choice Requires="p14">
       <p:transition spd="slow" p14:dur="2000"/>
     </mc:Choice>
-    <mc:Fallback>
+    <mc:Fallback xmlns="">
       <p:transition spd="slow"/>
     </mc:Fallback>
   </mc:AlternateContent>
@@ -4903,11 +4909,7 @@
             </a:r>
             <a:r>
               <a:rPr sz="2900"/>
-              <a:t>to </a:t>
-            </a:r>
-            <a:r>
-              <a:rPr sz="2900"/>
-              <a:t>the repo (</a:t>
+              <a:t>to the repo (</a:t>
             </a:r>
             <a:r>
               <a:rPr sz="2900">
@@ -4946,11 +4948,11 @@
   <p:clrMapOvr>
     <a:masterClrMapping/>
   </p:clrMapOvr>
-  <mc:AlternateContent xmlns:mc="http://schemas.openxmlformats.org/markup-compatibility/2006">
-    <mc:Choice xmlns:p14="http://schemas.microsoft.com/office/powerpoint/2010/main" Requires="p14">
+  <mc:AlternateContent xmlns:mc="http://schemas.openxmlformats.org/markup-compatibility/2006" xmlns:p14="http://schemas.microsoft.com/office/powerpoint/2010/main">
+    <mc:Choice Requires="p14">
       <p:transition spd="slow" p14:dur="2000"/>
     </mc:Choice>
-    <mc:Fallback>
+    <mc:Fallback xmlns="">
       <p:transition spd="slow"/>
     </mc:Fallback>
   </mc:AlternateContent>
@@ -5506,11 +5508,11 @@
   <p:clrMapOvr>
     <a:masterClrMapping/>
   </p:clrMapOvr>
-  <mc:AlternateContent xmlns:mc="http://schemas.openxmlformats.org/markup-compatibility/2006">
-    <mc:Choice xmlns:p14="http://schemas.microsoft.com/office/powerpoint/2010/main" Requires="p14">
+  <mc:AlternateContent xmlns:mc="http://schemas.openxmlformats.org/markup-compatibility/2006" xmlns:p14="http://schemas.microsoft.com/office/powerpoint/2010/main">
+    <mc:Choice Requires="p14">
       <p:transition spd="slow" p14:dur="2000"/>
     </mc:Choice>
-    <mc:Fallback>
+    <mc:Fallback xmlns="">
       <p:transition spd="slow"/>
     </mc:Fallback>
   </mc:AlternateContent>
@@ -5674,11 +5676,11 @@
   <p:clrMapOvr>
     <a:masterClrMapping/>
   </p:clrMapOvr>
-  <mc:AlternateContent xmlns:mc="http://schemas.openxmlformats.org/markup-compatibility/2006">
-    <mc:Choice xmlns:p14="http://schemas.microsoft.com/office/powerpoint/2010/main" Requires="p14">
+  <mc:AlternateContent xmlns:mc="http://schemas.openxmlformats.org/markup-compatibility/2006" xmlns:p14="http://schemas.microsoft.com/office/powerpoint/2010/main">
+    <mc:Choice Requires="p14">
       <p:transition spd="slow" p14:dur="2000"/>
     </mc:Choice>
-    <mc:Fallback>
+    <mc:Fallback xmlns="">
       <p:transition spd="slow"/>
     </mc:Fallback>
   </mc:AlternateContent>
@@ -5756,38 +5758,51 @@
               <a:buNone/>
               <a:defRPr sz="1800"/>
             </a:pPr>
-            <a:endParaRPr sz="3200"/>
+            <a:endParaRPr sz="3200" dirty="0"/>
           </a:p>
           <a:p>
             <a:pPr lvl="0">
               <a:defRPr sz="1800"/>
             </a:pPr>
-            <a:endParaRPr sz="3200"/>
+            <a:endParaRPr sz="3200" dirty="0"/>
           </a:p>
           <a:p>
             <a:pPr lvl="0">
               <a:defRPr sz="1800"/>
             </a:pPr>
             <a:r>
-              <a:rPr sz="3200"/>
-              <a:t>Move into a Directory that you want to store the info for the next </a:t>
-            </a:r>
-            <a:r>
-              <a:rPr sz="3200"/>
-              <a:t>1</a:t>
-            </a:r>
-            <a:r>
-              <a:rPr lang="en-US" sz="3200"/>
+              <a:rPr sz="3200" dirty="0"/>
+              <a:t>Move into a Directory that you want to store the info for the next 1</a:t>
+            </a:r>
+            <a:r>
+              <a:rPr lang="en-US" sz="3200" dirty="0"/>
               <a:t>0</a:t>
             </a:r>
             <a:r>
-              <a:rPr sz="3200"/>
+              <a:rPr sz="3200" dirty="0"/>
               <a:t> </a:t>
             </a:r>
             <a:r>
-              <a:rPr sz="3200"/>
+              <a:rPr sz="3200" dirty="0" smtClean="0"/>
               <a:t>weeks</a:t>
             </a:r>
+            <a:endParaRPr lang="en-US" sz="3200" dirty="0" smtClean="0"/>
+          </a:p>
+          <a:p>
+            <a:pPr lvl="0">
+              <a:defRPr sz="1800"/>
+            </a:pPr>
+            <a:endParaRPr lang="en-US" sz="3200" dirty="0"/>
+          </a:p>
+          <a:p>
+            <a:pPr lvl="0">
+              <a:defRPr sz="1800"/>
+            </a:pPr>
+            <a:r>
+              <a:rPr lang="en-US" sz="3200" dirty="0" smtClean="0"/>
+              <a:t>For my example, I will use my Desktop</a:t>
+            </a:r>
+            <a:endParaRPr sz="3200" dirty="0"/>
           </a:p>
         </p:txBody>
       </p:sp>
@@ -5852,11 +5867,11 @@
   <p:clrMapOvr>
     <a:masterClrMapping/>
   </p:clrMapOvr>
-  <mc:AlternateContent xmlns:mc="http://schemas.openxmlformats.org/markup-compatibility/2006">
-    <mc:Choice xmlns:p14="http://schemas.microsoft.com/office/powerpoint/2010/main" Requires="p14">
+  <mc:AlternateContent xmlns:mc="http://schemas.openxmlformats.org/markup-compatibility/2006" xmlns:p14="http://schemas.microsoft.com/office/powerpoint/2010/main">
+    <mc:Choice Requires="p14">
       <p:transition spd="slow" p14:dur="2000"/>
     </mc:Choice>
-    <mc:Fallback>
+    <mc:Fallback xmlns="">
       <p:transition spd="slow"/>
     </mc:Fallback>
   </mc:AlternateContent>
@@ -5909,9 +5924,18 @@
               <a:defRPr sz="1800"/>
             </a:pPr>
             <a:r>
-              <a:rPr/>
-              <a:t>Before Cloning</a:t>
-            </a:r>
+              <a:rPr dirty="0"/>
+              <a:t>Before </a:t>
+            </a:r>
+            <a:r>
+              <a:rPr dirty="0" smtClean="0"/>
+              <a:t>Cloning</a:t>
+            </a:r>
+            <a:r>
+              <a:rPr lang="en-US" dirty="0" smtClean="0"/>
+              <a:t>  -- use pwd and ls </a:t>
+            </a:r>
+            <a:endParaRPr dirty="0"/>
           </a:p>
         </p:txBody>
       </p:sp>
@@ -6018,11 +6042,7 @@
             </a:pPr>
             <a:r>
               <a:rPr sz="2565"/>
-              <a:t>git </a:t>
-            </a:r>
-            <a:r>
-              <a:rPr sz="2565"/>
-              <a:t>clone </a:t>
+              <a:t>git clone </a:t>
             </a:r>
             <a:r>
               <a:rPr sz="2565" u="sng">
@@ -6036,21 +6056,7 @@
                 </a:uFill>
                 <a:hlinkClick r:id="rId2"/>
               </a:rPr>
-              <a:t>https://</a:t>
-            </a:r>
-            <a:r>
-              <a:rPr sz="2565" u="sng">
-                <a:solidFill>
-                  <a:srgbClr val="0000FF"/>
-                </a:solidFill>
-                <a:uFill>
-                  <a:solidFill>
-                    <a:srgbClr val="0000FF"/>
-                  </a:solidFill>
-                </a:uFill>
-                <a:hlinkClick r:id="rId2"/>
-              </a:rPr>
-              <a:t>github.com/sinanuozdemir/</a:t>
+              <a:t>https://github.com/sinanuozdemir/</a:t>
             </a:r>
             <a:r>
               <a:rPr lang="en-US" sz="2565" u="sng">
@@ -6080,17 +6086,6 @@
               </a:rPr>
               <a:t>.git</a:t>
             </a:r>
-            <a:endParaRPr sz="2565" u="sng">
-              <a:solidFill>
-                <a:srgbClr val="0000FF"/>
-              </a:solidFill>
-              <a:uFill>
-                <a:solidFill>
-                  <a:srgbClr val="0000FF"/>
-                </a:solidFill>
-              </a:uFill>
-              <a:hlinkClick r:id="rId2"/>
-            </a:endParaRPr>
           </a:p>
         </p:txBody>
       </p:sp>
@@ -6258,11 +6253,11 @@
   <p:clrMapOvr>
     <a:masterClrMapping/>
   </p:clrMapOvr>
-  <mc:AlternateContent xmlns:mc="http://schemas.openxmlformats.org/markup-compatibility/2006">
-    <mc:Choice xmlns:p14="http://schemas.microsoft.com/office/powerpoint/2010/main" Requires="p14">
+  <mc:AlternateContent xmlns:mc="http://schemas.openxmlformats.org/markup-compatibility/2006" xmlns:p14="http://schemas.microsoft.com/office/powerpoint/2010/main">
+    <mc:Choice Requires="p14">
       <p:transition spd="slow" p14:dur="2000"/>
     </mc:Choice>
-    <mc:Fallback>
+    <mc:Fallback xmlns="">
       <p:transition spd="slow"/>
     </mc:Fallback>
   </mc:AlternateContent>
@@ -6333,7 +6328,9 @@
           </a:prstGeom>
         </p:spPr>
         <p:txBody>
-          <a:bodyPr/>
+          <a:bodyPr>
+            <a:normAutofit lnSpcReduction="10000"/>
+          </a:bodyPr>
           <a:lstStyle/>
           <a:p>
             <a:pPr lvl="0">
@@ -6566,11 +6563,11 @@
   <p:clrMapOvr>
     <a:masterClrMapping/>
   </p:clrMapOvr>
-  <mc:AlternateContent xmlns:mc="http://schemas.openxmlformats.org/markup-compatibility/2006">
-    <mc:Choice xmlns:p14="http://schemas.microsoft.com/office/powerpoint/2010/main" Requires="p14">
+  <mc:AlternateContent xmlns:mc="http://schemas.openxmlformats.org/markup-compatibility/2006" xmlns:p14="http://schemas.microsoft.com/office/powerpoint/2010/main">
+    <mc:Choice Requires="p14">
       <p:transition spd="slow" p14:dur="2000"/>
     </mc:Choice>
-    <mc:Fallback>
+    <mc:Fallback xmlns="">
       <p:transition spd="slow"/>
     </mc:Fallback>
   </mc:AlternateContent>
@@ -6716,11 +6713,11 @@
   <p:clrMapOvr>
     <a:masterClrMapping/>
   </p:clrMapOvr>
-  <mc:AlternateContent xmlns:mc="http://schemas.openxmlformats.org/markup-compatibility/2006">
-    <mc:Choice xmlns:p14="http://schemas.microsoft.com/office/powerpoint/2010/main" Requires="p14">
+  <mc:AlternateContent xmlns:mc="http://schemas.openxmlformats.org/markup-compatibility/2006" xmlns:p14="http://schemas.microsoft.com/office/powerpoint/2010/main">
+    <mc:Choice Requires="p14">
       <p:transition spd="slow" p14:dur="2000"/>
     </mc:Choice>
-    <mc:Fallback>
+    <mc:Fallback xmlns="">
       <p:transition spd="slow"/>
     </mc:Fallback>
   </mc:AlternateContent>
@@ -7065,7 +7062,9 @@
           </a:prstGeom>
         </p:spPr>
         <p:txBody>
-          <a:bodyPr/>
+          <a:bodyPr>
+            <a:normAutofit fontScale="92500" lnSpcReduction="10000"/>
+          </a:bodyPr>
           <a:lstStyle/>
           <a:p>
             <a:pPr lvl="0">
@@ -7126,19 +7125,7 @@
             </a:pPr>
             <a:r>
               <a:rPr sz="3200" b="1"/>
-              <a:t>Try this now! (take </a:t>
-            </a:r>
-            <a:r>
-              <a:rPr sz="3200" b="1"/>
-              <a:t>5 </a:t>
-            </a:r>
-            <a:r>
-              <a:rPr sz="3200" b="1"/>
-              <a:t>minutes</a:t>
-            </a:r>
-            <a:r>
-              <a:rPr sz="3200" b="1"/>
-              <a:t>)</a:t>
+              <a:t>Try this now! (take 5 minutes)</a:t>
             </a:r>
             <a:endParaRPr lang="en-US" sz="3200" b="1"/>
           </a:p>
@@ -7278,11 +7265,11 @@
   <p:clrMapOvr>
     <a:masterClrMapping/>
   </p:clrMapOvr>
-  <mc:AlternateContent xmlns:mc="http://schemas.openxmlformats.org/markup-compatibility/2006">
-    <mc:Choice xmlns:p14="http://schemas.microsoft.com/office/powerpoint/2010/main" Requires="p14">
+  <mc:AlternateContent xmlns:mc="http://schemas.openxmlformats.org/markup-compatibility/2006" xmlns:p14="http://schemas.microsoft.com/office/powerpoint/2010/main">
+    <mc:Choice Requires="p14">
       <p:transition spd="slow" p14:dur="2000"/>
     </mc:Choice>
-    <mc:Fallback>
+    <mc:Fallback xmlns="">
       <p:transition spd="slow"/>
     </mc:Fallback>
   </mc:AlternateContent>
@@ -7448,11 +7435,11 @@
   <p:clrMapOvr>
     <a:masterClrMapping/>
   </p:clrMapOvr>
-  <mc:AlternateContent xmlns:mc="http://schemas.openxmlformats.org/markup-compatibility/2006">
-    <mc:Choice xmlns:p14="http://schemas.microsoft.com/office/powerpoint/2010/main" Requires="p14">
+  <mc:AlternateContent xmlns:mc="http://schemas.openxmlformats.org/markup-compatibility/2006" xmlns:p14="http://schemas.microsoft.com/office/powerpoint/2010/main">
+    <mc:Choice Requires="p14">
       <p:transition spd="slow" p14:dur="2000"/>
     </mc:Choice>
-    <mc:Fallback>
+    <mc:Fallback xmlns="">
       <p:transition spd="slow"/>
     </mc:Fallback>
   </mc:AlternateContent>
@@ -7549,17 +7536,8 @@
             </a:r>
             <a:r>
               <a:rPr sz="3200"/>
-              <a:t> </a:t>
-            </a:r>
-            <a:r>
-              <a:rPr sz="3200"/>
-              <a:t>on your </a:t>
-            </a:r>
-            <a:r>
-              <a:rPr sz="3200"/>
-              <a:t>profile:</a:t>
-            </a:r>
-            <a:endParaRPr sz="3200"/>
+              <a:t> on your profile:</a:t>
+            </a:r>
           </a:p>
           <a:p>
             <a:pPr marL="742950" lvl="1" indent="-285750">
@@ -7611,11 +7589,7 @@
             </a:pPr>
             <a:r>
               <a:rPr sz="2800"/>
-              <a:t>Nothing </a:t>
-            </a:r>
-            <a:r>
-              <a:rPr sz="2800"/>
-              <a:t>has happened to your local computer</a:t>
+              <a:t>Nothing has happened to your local computer</a:t>
             </a:r>
           </a:p>
           <a:p>
@@ -7627,11 +7601,7 @@
             </a:pPr>
             <a:r>
               <a:rPr sz="2800"/>
-              <a:t>This was done on </a:t>
-            </a:r>
-            <a:r>
-              <a:rPr sz="2800"/>
-              <a:t>GitHub</a:t>
+              <a:t>This was done on GitHub</a:t>
             </a:r>
             <a:r>
               <a:rPr lang="en-US" sz="2800"/>
@@ -7678,11 +7648,11 @@
   <p:clrMapOvr>
     <a:masterClrMapping/>
   </p:clrMapOvr>
-  <mc:AlternateContent xmlns:mc="http://schemas.openxmlformats.org/markup-compatibility/2006">
-    <mc:Choice xmlns:p14="http://schemas.microsoft.com/office/powerpoint/2010/main" Requires="p14">
+  <mc:AlternateContent xmlns:mc="http://schemas.openxmlformats.org/markup-compatibility/2006" xmlns:p14="http://schemas.microsoft.com/office/powerpoint/2010/main">
+    <mc:Choice Requires="p14">
       <p:transition spd="slow" p14:dur="2000"/>
     </mc:Choice>
-    <mc:Fallback>
+    <mc:Fallback xmlns="">
       <p:transition spd="slow"/>
     </mc:Fallback>
   </mc:AlternateContent>
@@ -8081,11 +8051,7 @@
             </a:pPr>
             <a:r>
               <a:rPr sz="2784"/>
-              <a:t>Save those changes </a:t>
-            </a:r>
-            <a:r>
-              <a:rPr sz="2784"/>
-              <a:t>locally </a:t>
+              <a:t>Save those changes locally </a:t>
             </a:r>
             <a:r>
               <a:rPr sz="2784" smtClean="0"/>
@@ -8157,11 +8123,11 @@
   <p:clrMapOvr>
     <a:masterClrMapping/>
   </p:clrMapOvr>
-  <mc:AlternateContent xmlns:mc="http://schemas.openxmlformats.org/markup-compatibility/2006">
-    <mc:Choice xmlns:p14="http://schemas.microsoft.com/office/powerpoint/2010/main" Requires="p14">
+  <mc:AlternateContent xmlns:mc="http://schemas.openxmlformats.org/markup-compatibility/2006" xmlns:p14="http://schemas.microsoft.com/office/powerpoint/2010/main">
+    <mc:Choice Requires="p14">
       <p:transition spd="slow" p14:dur="2000"/>
     </mc:Choice>
-    <mc:Fallback>
+    <mc:Fallback xmlns="">
       <p:transition spd="slow"/>
     </mc:Fallback>
   </mc:AlternateContent>
@@ -8480,65 +8446,20 @@
           </a:bodyPr>
           <a:lstStyle/>
           <a:p>
-            <a:pPr marL="298322" indent="-298322" defTabSz="795527">
+            <a:pPr marL="0" indent="0" defTabSz="795527">
               <a:spcBef>
                 <a:spcPts val="600"/>
               </a:spcBef>
-              <a:defRPr sz="1800"/>
-            </a:pPr>
-            <a:r>
-              <a:rPr sz="2784"/>
-              <a:t>Copy (“</a:t>
-            </a:r>
-            <a:r>
-              <a:rPr sz="2784" b="1"/>
-              <a:t>clone</a:t>
-            </a:r>
-            <a:r>
-              <a:rPr sz="2784"/>
-              <a:t>”) your new GitHub repo to your computer</a:t>
-            </a:r>
-          </a:p>
-          <a:p>
-            <a:pPr marL="298322" indent="-298322" defTabSz="795527">
-              <a:spcBef>
-                <a:spcPts val="600"/>
-              </a:spcBef>
-              <a:defRPr sz="1800"/>
-            </a:pPr>
-            <a:endParaRPr sz="2784"/>
-          </a:p>
-          <a:p>
-            <a:pPr marL="298322" indent="-298322" defTabSz="795527">
-              <a:spcBef>
-                <a:spcPts val="600"/>
-              </a:spcBef>
-              <a:defRPr sz="1800"/>
-            </a:pPr>
-            <a:r>
-              <a:rPr sz="2784"/>
-              <a:t>Try this now! (take 5-10 minutes)</a:t>
-            </a:r>
-          </a:p>
-          <a:p>
-            <a:pPr marL="298322" indent="-298322" defTabSz="795527">
-              <a:spcBef>
-                <a:spcPts val="600"/>
-              </a:spcBef>
-              <a:defRPr sz="1800"/>
-            </a:pPr>
-            <a:endParaRPr sz="2784"/>
-          </a:p>
-          <a:p>
-            <a:pPr marL="298322" indent="-298322" defTabSz="795527">
-              <a:spcBef>
-                <a:spcPts val="600"/>
-              </a:spcBef>
-              <a:defRPr sz="1800"/>
-            </a:pPr>
-            <a:r>
-              <a:rPr sz="2784" b="1"/>
-              <a:t>SUPER IMPORTANT:</a:t>
+              <a:buNone/>
+              <a:defRPr sz="1800"/>
+            </a:pPr>
+            <a:r>
+              <a:rPr sz="2784" b="1" dirty="0" smtClean="0"/>
+              <a:t>SUPER </a:t>
+            </a:r>
+            <a:r>
+              <a:rPr sz="2784" b="1" dirty="0"/>
+              <a:t>IMPORTANT:</a:t>
             </a:r>
           </a:p>
           <a:p>
@@ -8549,23 +8470,23 @@
               <a:defRPr sz="1800"/>
             </a:pPr>
             <a:r>
-              <a:rPr sz="2784"/>
+              <a:rPr sz="2784" dirty="0"/>
               <a:t>Make sure that you </a:t>
             </a:r>
             <a:r>
-              <a:rPr sz="2784" b="1"/>
+              <a:rPr sz="2784" b="1" dirty="0"/>
               <a:t>LEAVE </a:t>
             </a:r>
             <a:r>
-              <a:rPr lang="en-US" sz="2784" b="1" smtClean="0"/>
+              <a:rPr lang="en-US" sz="2784" b="1" dirty="0" smtClean="0"/>
               <a:t>sfdat22</a:t>
             </a:r>
             <a:r>
-              <a:rPr sz="2784" smtClean="0"/>
+              <a:rPr sz="2784" dirty="0" smtClean="0"/>
               <a:t> </a:t>
             </a:r>
             <a:r>
-              <a:rPr sz="2784"/>
+              <a:rPr sz="2784" dirty="0"/>
               <a:t>before cloning the new repo</a:t>
             </a:r>
           </a:p>
@@ -8577,14 +8498,14 @@
               <a:defRPr sz="1800"/>
             </a:pPr>
             <a:r>
-              <a:rPr sz="2784"/>
+              <a:rPr sz="2784" dirty="0"/>
               <a:t>cd </a:t>
             </a:r>
             <a:r>
-              <a:rPr sz="2784" smtClean="0"/>
+              <a:rPr sz="2784" dirty="0" smtClean="0"/>
               <a:t>..</a:t>
             </a:r>
-            <a:endParaRPr lang="en-US" sz="2784" smtClean="0"/>
+            <a:endParaRPr lang="en-US" sz="2784" dirty="0" smtClean="0"/>
           </a:p>
           <a:p>
             <a:pPr marL="696087" lvl="1" indent="-298322" defTabSz="795527">
@@ -8594,8 +8515,24 @@
               <a:defRPr sz="1800"/>
             </a:pPr>
             <a:r>
-              <a:rPr lang="en-US" sz="2784" smtClean="0"/>
-              <a:t>Never clone a git repo inside of another git repo!!!</a:t>
+              <a:rPr lang="en-US" sz="2784" dirty="0" smtClean="0"/>
+              <a:t>Never clone a </a:t>
+            </a:r>
+            <a:r>
+              <a:rPr lang="en-US" sz="2784" dirty="0" err="1" smtClean="0"/>
+              <a:t>git</a:t>
+            </a:r>
+            <a:r>
+              <a:rPr lang="en-US" sz="2784" dirty="0" smtClean="0"/>
+              <a:t> repo inside of another </a:t>
+            </a:r>
+            <a:r>
+              <a:rPr lang="en-US" sz="2784" dirty="0" err="1" smtClean="0"/>
+              <a:t>git</a:t>
+            </a:r>
+            <a:r>
+              <a:rPr lang="en-US" sz="2784" dirty="0" smtClean="0"/>
+              <a:t> repo!!!</a:t>
             </a:r>
           </a:p>
           <a:p>
@@ -8606,10 +8543,30 @@
               <a:defRPr sz="1800"/>
             </a:pPr>
             <a:r>
-              <a:rPr lang="en-US" sz="2384" smtClean="0"/>
-              <a:t>Unless you are a satanist and wish to call upon minions of the darkness. In which case please contact Vanessa</a:t>
-            </a:r>
-            <a:endParaRPr sz="2384"/>
+              <a:rPr lang="en-US" sz="2384" dirty="0" smtClean="0"/>
+              <a:t>Unless you </a:t>
+            </a:r>
+            <a:r>
+              <a:rPr lang="en-US" sz="2384" dirty="0" smtClean="0"/>
+              <a:t>wish </a:t>
+            </a:r>
+            <a:r>
+              <a:rPr lang="en-US" sz="2384" dirty="0" smtClean="0"/>
+              <a:t>to call upon </a:t>
+            </a:r>
+            <a:r>
+              <a:rPr lang="en-US" sz="2384" dirty="0" smtClean="0"/>
+              <a:t>the minions </a:t>
+            </a:r>
+            <a:r>
+              <a:rPr lang="en-US" sz="2384" dirty="0" smtClean="0"/>
+              <a:t>of the darkness. In which case please contact </a:t>
+            </a:r>
+            <a:r>
+              <a:rPr lang="en-US" sz="2384" dirty="0" smtClean="0"/>
+              <a:t>your course advisor now</a:t>
+            </a:r>
+            <a:endParaRPr sz="2384" dirty="0"/>
           </a:p>
         </p:txBody>
       </p:sp>
@@ -8623,11 +8580,11 @@
   <p:clrMapOvr>
     <a:masterClrMapping/>
   </p:clrMapOvr>
-  <mc:AlternateContent xmlns:mc="http://schemas.openxmlformats.org/markup-compatibility/2006">
-    <mc:Choice xmlns:p14="http://schemas.microsoft.com/office/powerpoint/2010/main" Requires="p14">
+  <mc:AlternateContent xmlns:mc="http://schemas.openxmlformats.org/markup-compatibility/2006" xmlns:p14="http://schemas.microsoft.com/office/powerpoint/2010/main">
+    <mc:Choice Requires="p14">
       <p:transition spd="slow" p14:dur="2000"/>
     </mc:Choice>
-    <mc:Fallback>
+    <mc:Fallback xmlns="">
       <p:transition spd="slow"/>
     </mc:Fallback>
   </mc:AlternateContent>
@@ -8718,17 +8675,8 @@
                                   </p:childTnLst>
                                 </p:cTn>
                               </p:par>
-                            </p:childTnLst>
-                          </p:cTn>
-                        </p:par>
-                        <p:par>
-                          <p:cTn id="10" fill="hold">
-                            <p:stCondLst>
-                              <p:cond delay="0"/>
-                            </p:stCondLst>
-                            <p:childTnLst>
                               <p:par>
-                                <p:cTn id="11" presetID="1" presetClass="entr" presetSubtype="0" fill="hold" grpId="0" nodeType="afterEffect">
+                                <p:cTn id="10" presetID="1" presetClass="entr" presetSubtype="0" fill="hold" grpId="0" nodeType="withEffect">
                                   <p:stCondLst>
                                     <p:cond delay="0"/>
                                   </p:stCondLst>
@@ -8738,7 +8686,37 @@
                                   <p:childTnLst>
                                     <p:set>
                                       <p:cBhvr>
-                                        <p:cTn id="12" fill="hold"/>
+                                        <p:cTn id="11" fill="hold"/>
+                                        <p:tgtEl>
+                                          <p:spTgt spid="140">
+                                            <p:txEl>
+                                              <p:pRg st="1" end="1"/>
+                                            </p:txEl>
+                                          </p:spTgt>
+                                        </p:tgtEl>
+                                        <p:attrNameLst>
+                                          <p:attrName>style.visibility</p:attrName>
+                                        </p:attrNameLst>
+                                      </p:cBhvr>
+                                      <p:to>
+                                        <p:strVal val="visible"/>
+                                      </p:to>
+                                    </p:set>
+                                  </p:childTnLst>
+                                </p:cTn>
+                              </p:par>
+                              <p:par>
+                                <p:cTn id="12" presetID="1" presetClass="entr" presetSubtype="0" fill="hold" grpId="0" nodeType="withEffect">
+                                  <p:stCondLst>
+                                    <p:cond delay="0"/>
+                                  </p:stCondLst>
+                                  <p:iterate>
+                                    <p:tmAbs val="0"/>
+                                  </p:iterate>
+                                  <p:childTnLst>
+                                    <p:set>
+                                      <p:cBhvr>
+                                        <p:cTn id="13" fill="hold"/>
                                         <p:tgtEl>
                                           <p:spTgt spid="140">
                                             <p:txEl>
@@ -8757,17 +8735,8 @@
                                   </p:childTnLst>
                                 </p:cTn>
                               </p:par>
-                            </p:childTnLst>
-                          </p:cTn>
-                        </p:par>
-                        <p:par>
-                          <p:cTn id="13" fill="hold">
-                            <p:stCondLst>
-                              <p:cond delay="0"/>
-                            </p:stCondLst>
-                            <p:childTnLst>
                               <p:par>
-                                <p:cTn id="14" presetID="1" presetClass="entr" presetSubtype="0" fill="hold" grpId="0" nodeType="afterEffect">
+                                <p:cTn id="14" presetID="1" presetClass="entr" presetSubtype="0" fill="hold" grpId="0" nodeType="withEffect">
                                   <p:stCondLst>
                                     <p:cond delay="0"/>
                                   </p:stCondLst>
@@ -8781,7 +8750,7 @@
                                         <p:tgtEl>
                                           <p:spTgt spid="140">
                                             <p:txEl>
-                                              <p:pRg st="4" end="4"/>
+                                              <p:pRg st="3" end="3"/>
                                             </p:txEl>
                                           </p:spTgt>
                                         </p:tgtEl>
@@ -8811,97 +8780,7 @@
                                         <p:tgtEl>
                                           <p:spTgt spid="140">
                                             <p:txEl>
-                                              <p:pRg st="5" end="5"/>
-                                            </p:txEl>
-                                          </p:spTgt>
-                                        </p:tgtEl>
-                                        <p:attrNameLst>
-                                          <p:attrName>style.visibility</p:attrName>
-                                        </p:attrNameLst>
-                                      </p:cBhvr>
-                                      <p:to>
-                                        <p:strVal val="visible"/>
-                                      </p:to>
-                                    </p:set>
-                                  </p:childTnLst>
-                                </p:cTn>
-                              </p:par>
-                              <p:par>
-                                <p:cTn id="18" presetID="1" presetClass="entr" presetSubtype="0" fill="hold" grpId="0" nodeType="withEffect">
-                                  <p:stCondLst>
-                                    <p:cond delay="0"/>
-                                  </p:stCondLst>
-                                  <p:iterate>
-                                    <p:tmAbs val="0"/>
-                                  </p:iterate>
-                                  <p:childTnLst>
-                                    <p:set>
-                                      <p:cBhvr>
-                                        <p:cTn id="19" fill="hold"/>
-                                        <p:tgtEl>
-                                          <p:spTgt spid="140">
-                                            <p:txEl>
-                                              <p:pRg st="6" end="6"/>
-                                            </p:txEl>
-                                          </p:spTgt>
-                                        </p:tgtEl>
-                                        <p:attrNameLst>
-                                          <p:attrName>style.visibility</p:attrName>
-                                        </p:attrNameLst>
-                                      </p:cBhvr>
-                                      <p:to>
-                                        <p:strVal val="visible"/>
-                                      </p:to>
-                                    </p:set>
-                                  </p:childTnLst>
-                                </p:cTn>
-                              </p:par>
-                              <p:par>
-                                <p:cTn id="20" presetID="1" presetClass="entr" presetSubtype="0" fill="hold" grpId="0" nodeType="withEffect">
-                                  <p:stCondLst>
-                                    <p:cond delay="0"/>
-                                  </p:stCondLst>
-                                  <p:iterate>
-                                    <p:tmAbs val="0"/>
-                                  </p:iterate>
-                                  <p:childTnLst>
-                                    <p:set>
-                                      <p:cBhvr>
-                                        <p:cTn id="21" fill="hold"/>
-                                        <p:tgtEl>
-                                          <p:spTgt spid="140">
-                                            <p:txEl>
-                                              <p:pRg st="7" end="7"/>
-                                            </p:txEl>
-                                          </p:spTgt>
-                                        </p:tgtEl>
-                                        <p:attrNameLst>
-                                          <p:attrName>style.visibility</p:attrName>
-                                        </p:attrNameLst>
-                                      </p:cBhvr>
-                                      <p:to>
-                                        <p:strVal val="visible"/>
-                                      </p:to>
-                                    </p:set>
-                                  </p:childTnLst>
-                                </p:cTn>
-                              </p:par>
-                              <p:par>
-                                <p:cTn id="22" presetID="1" presetClass="entr" presetSubtype="0" fill="hold" grpId="0" nodeType="withEffect">
-                                  <p:stCondLst>
-                                    <p:cond delay="0"/>
-                                  </p:stCondLst>
-                                  <p:iterate>
-                                    <p:tmAbs val="0"/>
-                                  </p:iterate>
-                                  <p:childTnLst>
-                                    <p:set>
-                                      <p:cBhvr>
-                                        <p:cTn id="23" fill="hold"/>
-                                        <p:tgtEl>
-                                          <p:spTgt spid="140">
-                                            <p:txEl>
-                                              <p:pRg st="8" end="8"/>
+                                              <p:pRg st="4" end="4"/>
                                             </p:txEl>
                                           </p:spTgt>
                                         </p:tgtEl>
@@ -9039,7 +8918,7 @@
               <a:defRPr sz="1800"/>
             </a:pPr>
             <a:r>
-              <a:rPr sz="2609"/>
+              <a:rPr sz="2609" dirty="0"/>
               <a:t>Making changes:</a:t>
             </a:r>
           </a:p>
@@ -9051,7 +8930,7 @@
               <a:defRPr sz="1800"/>
             </a:pPr>
             <a:r>
-              <a:rPr sz="2250"/>
+              <a:rPr sz="2250" dirty="0"/>
               <a:t>Modify README.md in any text editor</a:t>
             </a:r>
           </a:p>
@@ -9063,11 +8942,11 @@
               <a:defRPr sz="1800"/>
             </a:pPr>
             <a:r>
-              <a:rPr sz="2250"/>
+              <a:rPr sz="2250" dirty="0"/>
               <a:t>Create a new file: </a:t>
             </a:r>
             <a:r>
-              <a:rPr sz="2250">
+              <a:rPr sz="2250" dirty="0">
                 <a:solidFill>
                   <a:srgbClr val="C00000"/>
                 </a:solidFill>
@@ -9075,30 +8954,14 @@
               <a:t>touch </a:t>
             </a:r>
             <a:r>
-              <a:rPr sz="2250" smtClean="0">
-                <a:solidFill>
-                  <a:srgbClr val="C00000"/>
-                </a:solidFill>
-              </a:rPr>
-              <a:t>&lt;</a:t>
-            </a:r>
-            <a:r>
-              <a:rPr lang="en-US" sz="2250" smtClean="0">
+              <a:rPr lang="en-US" sz="2250" dirty="0" smtClean="0">
                 <a:solidFill>
                   <a:srgbClr val="C00000"/>
                 </a:solidFill>
               </a:rPr>
               <a:t>test.txt</a:t>
             </a:r>
-            <a:r>
-              <a:rPr sz="2250" smtClean="0">
-                <a:solidFill>
-                  <a:srgbClr val="C00000"/>
-                </a:solidFill>
-              </a:rPr>
-              <a:t>&gt;</a:t>
-            </a:r>
-            <a:endParaRPr sz="2250"/>
+            <a:endParaRPr sz="2250" dirty="0"/>
           </a:p>
           <a:p>
             <a:pPr marL="308609" indent="-308609" defTabSz="822959">
@@ -9111,7 +8974,7 @@
               <a:defRPr sz="1800"/>
             </a:pPr>
             <a:r>
-              <a:rPr sz="2609"/>
+              <a:rPr sz="2609" dirty="0"/>
               <a:t>Check your status:</a:t>
             </a:r>
           </a:p>
@@ -9123,18 +8986,18 @@
               <a:defRPr sz="1800"/>
             </a:pPr>
             <a:r>
-              <a:rPr sz="2250"/>
+              <a:rPr sz="2250" dirty="0"/>
               <a:t> </a:t>
             </a:r>
             <a:r>
-              <a:rPr sz="2250">
+              <a:rPr sz="2250" dirty="0">
                 <a:solidFill>
                   <a:srgbClr val="C00000"/>
                 </a:solidFill>
               </a:rPr>
               <a:t>git status</a:t>
             </a:r>
-            <a:endParaRPr sz="2250"/>
+            <a:endParaRPr sz="2250" dirty="0"/>
           </a:p>
           <a:p>
             <a:pPr marL="308609" indent="-308609" defTabSz="822959">
@@ -9147,7 +9010,7 @@
               <a:defRPr sz="1800"/>
             </a:pPr>
             <a:r>
-              <a:rPr sz="2609"/>
+              <a:rPr sz="2609" dirty="0"/>
               <a:t>File statuses (possibly color-coded):</a:t>
             </a:r>
           </a:p>
@@ -9159,7 +9022,7 @@
               <a:defRPr sz="1800"/>
             </a:pPr>
             <a:r>
-              <a:rPr sz="2250"/>
+              <a:rPr sz="2250" dirty="0"/>
               <a:t>Untracked (red)</a:t>
             </a:r>
           </a:p>
@@ -9171,7 +9034,7 @@
               <a:defRPr sz="1800"/>
             </a:pPr>
             <a:r>
-              <a:rPr sz="2250"/>
+              <a:rPr sz="2250" dirty="0"/>
               <a:t>Tracked and modified (red)</a:t>
             </a:r>
           </a:p>
@@ -9183,7 +9046,7 @@
               <a:defRPr sz="1800"/>
             </a:pPr>
             <a:r>
-              <a:rPr sz="2250"/>
+              <a:rPr sz="2250" dirty="0"/>
               <a:t>Staged for committing (green)</a:t>
             </a:r>
           </a:p>
@@ -9195,7 +9058,7 @@
               <a:defRPr sz="1800"/>
             </a:pPr>
             <a:r>
-              <a:rPr sz="2250"/>
+              <a:rPr sz="2250" dirty="0"/>
               <a:t>Committed</a:t>
             </a:r>
           </a:p>
@@ -9206,7 +9069,7 @@
               </a:lnSpc>
               <a:defRPr sz="1800"/>
             </a:pPr>
-            <a:endParaRPr sz="2250"/>
+            <a:endParaRPr sz="2250" dirty="0"/>
           </a:p>
           <a:p>
             <a:pPr marL="308609" indent="-308609" defTabSz="822959">
@@ -9216,22 +9079,18 @@
               <a:defRPr sz="1800"/>
             </a:pPr>
             <a:r>
-              <a:rPr sz="2880"/>
-              <a:t>Try this now! (</a:t>
-            </a:r>
-            <a:r>
-              <a:rPr sz="2880"/>
-              <a:t>take </a:t>
-            </a:r>
-            <a:r>
-              <a:rPr lang="en-US" sz="2880"/>
+              <a:rPr sz="2880" dirty="0"/>
+              <a:t>Try this now! (take </a:t>
+            </a:r>
+            <a:r>
+              <a:rPr lang="en-US" sz="2880" dirty="0"/>
               <a:t>1</a:t>
             </a:r>
             <a:r>
-              <a:rPr sz="2880" smtClean="0"/>
+              <a:rPr sz="2880" dirty="0" smtClean="0"/>
               <a:t> minute)</a:t>
             </a:r>
-            <a:endParaRPr sz="2880"/>
+            <a:endParaRPr sz="2880" dirty="0"/>
           </a:p>
         </p:txBody>
       </p:sp>
@@ -9245,11 +9104,11 @@
   <p:clrMapOvr>
     <a:masterClrMapping/>
   </p:clrMapOvr>
-  <mc:AlternateContent xmlns:mc="http://schemas.openxmlformats.org/markup-compatibility/2006">
-    <mc:Choice xmlns:p14="http://schemas.microsoft.com/office/powerpoint/2010/main" Requires="p14">
+  <mc:AlternateContent xmlns:mc="http://schemas.openxmlformats.org/markup-compatibility/2006" xmlns:p14="http://schemas.microsoft.com/office/powerpoint/2010/main">
+    <mc:Choice Requires="p14">
       <p:transition spd="slow" p14:dur="2000"/>
     </mc:Choice>
-    <mc:Fallback>
+    <mc:Fallback xmlns="">
       <p:transition spd="slow"/>
     </mc:Fallback>
   </mc:AlternateContent>
@@ -10055,7 +9914,7 @@
               <a:defRPr sz="1800"/>
             </a:pPr>
             <a:r>
-              <a:rPr sz="2755"/>
+              <a:rPr sz="2755" dirty="0"/>
               <a:t>Stage changes for committing:</a:t>
             </a:r>
           </a:p>
@@ -10064,18 +9923,18 @@
               <a:defRPr sz="1800"/>
             </a:pPr>
             <a:r>
-              <a:rPr sz="2375"/>
+              <a:rPr sz="2375" dirty="0"/>
               <a:t>Add all “red” files: </a:t>
             </a:r>
             <a:r>
-              <a:rPr sz="2375">
+              <a:rPr sz="2375" dirty="0">
                 <a:solidFill>
                   <a:srgbClr val="C00000"/>
                 </a:solidFill>
               </a:rPr>
               <a:t>git add .</a:t>
             </a:r>
-            <a:endParaRPr sz="2375"/>
+            <a:endParaRPr sz="2375" dirty="0"/>
           </a:p>
           <a:p>
             <a:pPr marL="325754" indent="-325754" defTabSz="868680">
@@ -10084,32 +9943,7 @@
               </a:spcBef>
               <a:defRPr sz="1800"/>
             </a:pPr>
-            <a:r>
-              <a:rPr sz="2755"/>
-              <a:t>Check your status:</a:t>
-            </a:r>
-          </a:p>
-          <a:p>
-            <a:pPr marL="705802" lvl="1" indent="-271462" defTabSz="868680">
-              <a:defRPr sz="1800"/>
-            </a:pPr>
-            <a:r>
-              <a:rPr sz="2375">
-                <a:solidFill>
-                  <a:srgbClr val="C0504D"/>
-                </a:solidFill>
-              </a:rPr>
-              <a:t>git status</a:t>
-            </a:r>
-          </a:p>
-          <a:p>
-            <a:pPr marL="705802" lvl="1" indent="-271462" defTabSz="868680">
-              <a:defRPr sz="1800"/>
-            </a:pPr>
-            <a:r>
-              <a:rPr sz="2375"/>
-              <a:t>Red files have turned green</a:t>
-            </a:r>
+            <a:endParaRPr lang="en-US" sz="2755" dirty="0" smtClean="0"/>
           </a:p>
           <a:p>
             <a:pPr marL="325754" indent="-325754" defTabSz="868680">
@@ -10119,8 +9953,12 @@
               <a:defRPr sz="1800"/>
             </a:pPr>
             <a:r>
-              <a:rPr sz="2755"/>
-              <a:t>Commit changes:</a:t>
+              <a:rPr sz="2755" dirty="0" smtClean="0"/>
+              <a:t>Commit </a:t>
+            </a:r>
+            <a:r>
+              <a:rPr sz="2755" dirty="0"/>
+              <a:t>changes:</a:t>
             </a:r>
           </a:p>
           <a:p>
@@ -10128,18 +9966,18 @@
               <a:defRPr sz="1800"/>
             </a:pPr>
             <a:r>
-              <a:rPr sz="2375"/>
+              <a:rPr sz="2375" dirty="0"/>
               <a:t> </a:t>
             </a:r>
             <a:r>
-              <a:rPr sz="2375">
+              <a:rPr sz="2375" dirty="0">
                 <a:solidFill>
                   <a:srgbClr val="C00000"/>
                 </a:solidFill>
               </a:rPr>
               <a:t>git commit -m “message about commit”</a:t>
             </a:r>
-            <a:endParaRPr sz="2375"/>
+            <a:endParaRPr sz="2375" dirty="0"/>
           </a:p>
           <a:p>
             <a:pPr marL="325754" indent="-325754" defTabSz="868680">
@@ -10148,10 +9986,7 @@
               </a:spcBef>
               <a:defRPr sz="1800"/>
             </a:pPr>
-            <a:r>
-              <a:rPr sz="2755"/>
-              <a:t>Check your status again!</a:t>
-            </a:r>
+            <a:endParaRPr lang="en-US" sz="2755" dirty="0" smtClean="0"/>
           </a:p>
           <a:p>
             <a:pPr marL="325754" indent="-325754" defTabSz="868680">
@@ -10160,30 +9995,42 @@
               </a:spcBef>
               <a:defRPr sz="1800"/>
             </a:pPr>
-            <a:endParaRPr sz="2755"/>
+            <a:r>
+              <a:rPr sz="2755" dirty="0" smtClean="0"/>
+              <a:t>Check </a:t>
+            </a:r>
+            <a:r>
+              <a:rPr sz="2755" dirty="0"/>
+              <a:t>your status again!</a:t>
+            </a:r>
           </a:p>
           <a:p>
             <a:pPr marL="325754" indent="-325754" defTabSz="868680">
-              <a:defRPr sz="1800"/>
-            </a:pPr>
-            <a:r>
-              <a:rPr sz="3040"/>
-              <a:t>Try this now! (</a:t>
-            </a:r>
-            <a:r>
-              <a:rPr sz="3040"/>
-              <a:t>take </a:t>
-            </a:r>
-            <a:r>
-              <a:rPr lang="en-US" sz="3040"/>
+              <a:spcBef>
+                <a:spcPts val="600"/>
+              </a:spcBef>
+              <a:defRPr sz="1800"/>
+            </a:pPr>
+            <a:endParaRPr sz="2755" dirty="0"/>
+          </a:p>
+          <a:p>
+            <a:pPr marL="325754" indent="-325754" defTabSz="868680">
+              <a:defRPr sz="1800"/>
+            </a:pPr>
+            <a:r>
+              <a:rPr sz="3040" dirty="0"/>
+              <a:t>Try this now! (take </a:t>
+            </a:r>
+            <a:r>
+              <a:rPr lang="en-US" sz="3040" dirty="0"/>
               <a:t>3</a:t>
             </a:r>
             <a:r>
-              <a:rPr sz="3040" smtClean="0"/>
+              <a:rPr sz="3040" dirty="0" smtClean="0"/>
               <a:t> </a:t>
             </a:r>
             <a:r>
-              <a:rPr sz="3040"/>
+              <a:rPr sz="3040" dirty="0"/>
               <a:t>minutes)</a:t>
             </a:r>
           </a:p>
@@ -10199,11 +10046,11 @@
   <p:clrMapOvr>
     <a:masterClrMapping/>
   </p:clrMapOvr>
-  <mc:AlternateContent xmlns:mc="http://schemas.openxmlformats.org/markup-compatibility/2006">
-    <mc:Choice xmlns:p14="http://schemas.microsoft.com/office/powerpoint/2010/main" Requires="p14">
+  <mc:AlternateContent xmlns:mc="http://schemas.openxmlformats.org/markup-compatibility/2006" xmlns:p14="http://schemas.microsoft.com/office/powerpoint/2010/main">
+    <mc:Choice Requires="p14">
       <p:transition spd="slow" p14:dur="2000"/>
     </mc:Choice>
-    <mc:Fallback>
+    <mc:Fallback xmlns="">
       <p:transition spd="slow"/>
     </mc:Fallback>
   </mc:AlternateContent>
@@ -10348,7 +10195,7 @@
                                         <p:tgtEl>
                                           <p:spTgt spid="146">
                                             <p:txEl>
-                                              <p:pRg st="2" end="2"/>
+                                              <p:pRg st="3" end="3"/>
                                             </p:txEl>
                                           </p:spTgt>
                                         </p:tgtEl>
@@ -10378,36 +10225,6 @@
                                         <p:tgtEl>
                                           <p:spTgt spid="146">
                                             <p:txEl>
-                                              <p:pRg st="3" end="3"/>
-                                            </p:txEl>
-                                          </p:spTgt>
-                                        </p:tgtEl>
-                                        <p:attrNameLst>
-                                          <p:attrName>style.visibility</p:attrName>
-                                        </p:attrNameLst>
-                                      </p:cBhvr>
-                                      <p:to>
-                                        <p:strVal val="visible"/>
-                                      </p:to>
-                                    </p:set>
-                                  </p:childTnLst>
-                                </p:cTn>
-                              </p:par>
-                              <p:par>
-                                <p:cTn id="17" presetID="1" presetClass="entr" presetSubtype="0" fill="hold" grpId="0" nodeType="withEffect">
-                                  <p:stCondLst>
-                                    <p:cond delay="0"/>
-                                  </p:stCondLst>
-                                  <p:iterate>
-                                    <p:tmAbs val="0"/>
-                                  </p:iterate>
-                                  <p:childTnLst>
-                                    <p:set>
-                                      <p:cBhvr>
-                                        <p:cTn id="18" fill="hold"/>
-                                        <p:tgtEl>
-                                          <p:spTgt spid="146">
-                                            <p:txEl>
                                               <p:pRg st="4" end="4"/>
                                             </p:txEl>
                                           </p:spTgt>
@@ -10427,13 +10244,13 @@
                           </p:cTn>
                         </p:par>
                         <p:par>
-                          <p:cTn id="19" fill="hold">
+                          <p:cTn id="17" fill="hold">
                             <p:stCondLst>
                               <p:cond delay="0"/>
                             </p:stCondLst>
                             <p:childTnLst>
                               <p:par>
-                                <p:cTn id="20" presetID="1" presetClass="entr" presetSubtype="0" fill="hold" grpId="0" nodeType="afterEffect">
+                                <p:cTn id="18" presetID="1" presetClass="entr" presetSubtype="0" fill="hold" grpId="0" nodeType="afterEffect">
                                   <p:stCondLst>
                                     <p:cond delay="0"/>
                                   </p:stCondLst>
@@ -10443,37 +10260,7 @@
                                   <p:childTnLst>
                                     <p:set>
                                       <p:cBhvr>
-                                        <p:cTn id="21" fill="hold"/>
-                                        <p:tgtEl>
-                                          <p:spTgt spid="146">
-                                            <p:txEl>
-                                              <p:pRg st="5" end="5"/>
-                                            </p:txEl>
-                                          </p:spTgt>
-                                        </p:tgtEl>
-                                        <p:attrNameLst>
-                                          <p:attrName>style.visibility</p:attrName>
-                                        </p:attrNameLst>
-                                      </p:cBhvr>
-                                      <p:to>
-                                        <p:strVal val="visible"/>
-                                      </p:to>
-                                    </p:set>
-                                  </p:childTnLst>
-                                </p:cTn>
-                              </p:par>
-                              <p:par>
-                                <p:cTn id="22" presetID="1" presetClass="entr" presetSubtype="0" fill="hold" grpId="0" nodeType="withEffect">
-                                  <p:stCondLst>
-                                    <p:cond delay="0"/>
-                                  </p:stCondLst>
-                                  <p:iterate>
-                                    <p:tmAbs val="0"/>
-                                  </p:iterate>
-                                  <p:childTnLst>
-                                    <p:set>
-                                      <p:cBhvr>
-                                        <p:cTn id="23" fill="hold"/>
+                                        <p:cTn id="19" fill="hold"/>
                                         <p:tgtEl>
                                           <p:spTgt spid="146">
                                             <p:txEl>
@@ -10496,13 +10283,13 @@
                           </p:cTn>
                         </p:par>
                         <p:par>
-                          <p:cTn id="24" fill="hold">
+                          <p:cTn id="20" fill="hold">
                             <p:stCondLst>
                               <p:cond delay="0"/>
                             </p:stCondLst>
                             <p:childTnLst>
                               <p:par>
-                                <p:cTn id="25" presetID="1" presetClass="entr" presetSubtype="0" fill="hold" grpId="0" nodeType="afterEffect">
+                                <p:cTn id="21" presetID="1" presetClass="entr" presetSubtype="0" fill="hold" grpId="0" nodeType="afterEffect">
                                   <p:stCondLst>
                                     <p:cond delay="0"/>
                                   </p:stCondLst>
@@ -10512,50 +10299,11 @@
                                   <p:childTnLst>
                                     <p:set>
                                       <p:cBhvr>
-                                        <p:cTn id="26" fill="hold"/>
+                                        <p:cTn id="22" fill="hold"/>
                                         <p:tgtEl>
                                           <p:spTgt spid="146">
                                             <p:txEl>
-                                              <p:pRg st="7" end="7"/>
-                                            </p:txEl>
-                                          </p:spTgt>
-                                        </p:tgtEl>
-                                        <p:attrNameLst>
-                                          <p:attrName>style.visibility</p:attrName>
-                                        </p:attrNameLst>
-                                      </p:cBhvr>
-                                      <p:to>
-                                        <p:strVal val="visible"/>
-                                      </p:to>
-                                    </p:set>
-                                  </p:childTnLst>
-                                </p:cTn>
-                              </p:par>
-                            </p:childTnLst>
-                          </p:cTn>
-                        </p:par>
-                        <p:par>
-                          <p:cTn id="27" fill="hold">
-                            <p:stCondLst>
-                              <p:cond delay="0"/>
-                            </p:stCondLst>
-                            <p:childTnLst>
-                              <p:par>
-                                <p:cTn id="28" presetID="1" presetClass="entr" presetSubtype="0" fill="hold" grpId="0" nodeType="afterEffect">
-                                  <p:stCondLst>
-                                    <p:cond delay="0"/>
-                                  </p:stCondLst>
-                                  <p:iterate>
-                                    <p:tmAbs val="0"/>
-                                  </p:iterate>
-                                  <p:childTnLst>
-                                    <p:set>
-                                      <p:cBhvr>
-                                        <p:cTn id="29" fill="hold"/>
-                                        <p:tgtEl>
-                                          <p:spTgt spid="146">
-                                            <p:txEl>
-                                              <p:pRg st="9" end="9"/>
+                                              <p:pRg st="8" end="8"/>
                                             </p:txEl>
                                           </p:spTgt>
                                         </p:tgtEl>
@@ -11032,11 +10780,11 @@
   <p:clrMapOvr>
     <a:masterClrMapping/>
   </p:clrMapOvr>
-  <mc:AlternateContent xmlns:mc="http://schemas.openxmlformats.org/markup-compatibility/2006">
-    <mc:Choice xmlns:p14="http://schemas.microsoft.com/office/powerpoint/2010/main" Requires="p14">
+  <mc:AlternateContent xmlns:mc="http://schemas.openxmlformats.org/markup-compatibility/2006" xmlns:p14="http://schemas.microsoft.com/office/powerpoint/2010/main">
+    <mc:Choice Requires="p14">
       <p:transition spd="slow" p14:dur="2000"/>
     </mc:Choice>
-    <mc:Fallback>
+    <mc:Fallback xmlns="">
       <p:transition spd="slow"/>
     </mc:Fallback>
   </mc:AlternateContent>
@@ -11465,11 +11213,11 @@
   <p:clrMapOvr>
     <a:masterClrMapping/>
   </p:clrMapOvr>
-  <mc:AlternateContent xmlns:mc="http://schemas.openxmlformats.org/markup-compatibility/2006">
-    <mc:Choice xmlns:p14="http://schemas.microsoft.com/office/powerpoint/2010/main" Requires="p14">
+  <mc:AlternateContent xmlns:mc="http://schemas.openxmlformats.org/markup-compatibility/2006" xmlns:p14="http://schemas.microsoft.com/office/powerpoint/2010/main">
+    <mc:Choice Requires="p14">
       <p:transition spd="slow" p14:dur="2000"/>
     </mc:Choice>
-    <mc:Fallback>
+    <mc:Fallback xmlns="">
       <p:transition spd="slow"/>
     </mc:Fallback>
   </mc:AlternateContent>
@@ -11927,11 +11675,11 @@
   <p:clrMapOvr>
     <a:masterClrMapping/>
   </p:clrMapOvr>
-  <mc:AlternateContent xmlns:mc="http://schemas.openxmlformats.org/markup-compatibility/2006">
-    <mc:Choice xmlns:p14="http://schemas.microsoft.com/office/powerpoint/2010/main" Requires="p14">
+  <mc:AlternateContent xmlns:mc="http://schemas.openxmlformats.org/markup-compatibility/2006" xmlns:p14="http://schemas.microsoft.com/office/powerpoint/2010/main">
+    <mc:Choice Requires="p14">
       <p:transition spd="slow" p14:dur="2000"/>
     </mc:Choice>
-    <mc:Fallback>
+    <mc:Fallback xmlns="">
       <p:transition spd="slow"/>
     </mc:Fallback>
   </mc:AlternateContent>
@@ -12366,13 +12114,22 @@
               <a:defRPr sz="1800"/>
             </a:pPr>
             <a:r>
-              <a:rPr sz="4000" smtClean="0"/>
+              <a:rPr sz="4000" dirty="0" smtClean="0"/>
               <a:t>Before </a:t>
             </a:r>
             <a:r>
-              <a:rPr sz="4000"/>
-              <a:t>you leave	</a:t>
-            </a:r>
+              <a:rPr sz="4000" dirty="0"/>
+              <a:t>you </a:t>
+            </a:r>
+            <a:r>
+              <a:rPr sz="4000" dirty="0" smtClean="0"/>
+              <a:t>leave</a:t>
+            </a:r>
+            <a:r>
+              <a:rPr lang="en-US" sz="4000" dirty="0" smtClean="0"/>
+              <a:t> today</a:t>
+            </a:r>
+            <a:endParaRPr sz="4000" dirty="0"/>
           </a:p>
         </p:txBody>
       </p:sp>
@@ -12471,11 +12228,7 @@
             </a:pPr>
             <a:r>
               <a:rPr sz="3072"/>
-              <a:t>Create your own repo, call </a:t>
-            </a:r>
-            <a:r>
-              <a:rPr sz="3072"/>
-              <a:t>it </a:t>
+              <a:t>Create your own repo, call it </a:t>
             </a:r>
             <a:r>
               <a:rPr sz="3072" smtClean="0"/>
@@ -12546,11 +12299,11 @@
   <p:clrMapOvr>
     <a:masterClrMapping/>
   </p:clrMapOvr>
-  <mc:AlternateContent xmlns:mc="http://schemas.openxmlformats.org/markup-compatibility/2006">
-    <mc:Choice xmlns:p14="http://schemas.microsoft.com/office/powerpoint/2010/main" Requires="p14">
+  <mc:AlternateContent xmlns:mc="http://schemas.openxmlformats.org/markup-compatibility/2006" xmlns:p14="http://schemas.microsoft.com/office/powerpoint/2010/main">
+    <mc:Choice Requires="p14">
       <p:transition spd="slow" p14:dur="2000"/>
     </mc:Choice>
-    <mc:Fallback>
+    <mc:Fallback xmlns="">
       <p:transition spd="slow"/>
     </mc:Fallback>
   </mc:AlternateContent>
@@ -12811,6 +12564,82 @@
       </p:grpSpPr>
       <p:sp>
         <p:nvSpPr>
+          <p:cNvPr id="2" name="Title 1"/>
+          <p:cNvSpPr>
+            <a:spLocks noGrp="1"/>
+          </p:cNvSpPr>
+          <p:nvPr>
+            <p:ph type="title"/>
+          </p:nvPr>
+        </p:nvSpPr>
+        <p:spPr/>
+        <p:txBody>
+          <a:bodyPr/>
+          <a:lstStyle/>
+          <a:p>
+            <a:r>
+              <a:rPr lang="en-US" dirty="0" smtClean="0"/>
+              <a:t>BREAK TIME</a:t>
+            </a:r>
+            <a:endParaRPr lang="en-US" dirty="0"/>
+          </a:p>
+        </p:txBody>
+      </p:sp>
+      <p:sp>
+        <p:nvSpPr>
+          <p:cNvPr id="3" name="Content Placeholder 2"/>
+          <p:cNvSpPr>
+            <a:spLocks noGrp="1"/>
+          </p:cNvSpPr>
+          <p:nvPr>
+            <p:ph idx="1"/>
+          </p:nvPr>
+        </p:nvSpPr>
+        <p:spPr/>
+        <p:txBody>
+          <a:bodyPr/>
+          <a:lstStyle/>
+          <a:p>
+            <a:r>
+              <a:rPr lang="en-US" dirty="0" smtClean="0"/>
+              <a:t>Grab some coffee, you’ve earned it because you’ve learned it.</a:t>
+            </a:r>
+            <a:endParaRPr lang="en-US" dirty="0"/>
+          </a:p>
+        </p:txBody>
+      </p:sp>
+    </p:spTree>
+    <p:extLst>
+      <p:ext uri="{BB962C8B-B14F-4D97-AF65-F5344CB8AC3E}">
+        <p14:creationId xmlns:p14="http://schemas.microsoft.com/office/powerpoint/2010/main" val="350322227"/>
+      </p:ext>
+    </p:extLst>
+  </p:cSld>
+  <p:clrMapOvr>
+    <a:masterClrMapping/>
+  </p:clrMapOvr>
+</p:sld>
+</file>
+
+<file path=ppt/slides/slide34.xml><?xml version="1.0" encoding="utf-8"?>
+<p:sld xmlns:a="http://schemas.openxmlformats.org/drawingml/2006/main" xmlns:r="http://schemas.openxmlformats.org/officeDocument/2006/relationships" xmlns:p="http://schemas.openxmlformats.org/presentationml/2006/main">
+  <p:cSld>
+    <p:spTree>
+      <p:nvGrpSpPr>
+        <p:cNvPr id="1" name=""/>
+        <p:cNvGrpSpPr/>
+        <p:nvPr/>
+      </p:nvGrpSpPr>
+      <p:grpSpPr>
+        <a:xfrm>
+          <a:off x="0" y="0"/>
+          <a:ext cx="0" cy="0"/>
+          <a:chOff x="0" y="0"/>
+          <a:chExt cx="0" cy="0"/>
+        </a:xfrm>
+      </p:grpSpPr>
+      <p:sp>
+        <p:nvSpPr>
           <p:cNvPr id="160" name="Shape 160"/>
           <p:cNvSpPr>
             <a:spLocks noGrp="1"/>
@@ -12880,18 +12709,18 @@
   <p:clrMapOvr>
     <a:masterClrMapping/>
   </p:clrMapOvr>
-  <mc:AlternateContent xmlns:mc="http://schemas.openxmlformats.org/markup-compatibility/2006">
-    <mc:Choice xmlns:p14="http://schemas.microsoft.com/office/powerpoint/2010/main" Requires="p14">
+  <mc:AlternateContent xmlns:mc="http://schemas.openxmlformats.org/markup-compatibility/2006" xmlns:p14="http://schemas.microsoft.com/office/powerpoint/2010/main">
+    <mc:Choice Requires="p14">
       <p:transition spd="slow" p14:dur="2000"/>
     </mc:Choice>
-    <mc:Fallback>
+    <mc:Fallback xmlns="">
       <p:transition spd="slow"/>
     </mc:Fallback>
   </mc:AlternateContent>
 </p:sld>
 </file>
 
-<file path=ppt/slides/slide34.xml><?xml version="1.0" encoding="utf-8"?>
+<file path=ppt/slides/slide35.xml><?xml version="1.0" encoding="utf-8"?>
 <p:sld xmlns:a="http://schemas.openxmlformats.org/drawingml/2006/main" xmlns:r="http://schemas.openxmlformats.org/officeDocument/2006/relationships" xmlns:p="http://schemas.openxmlformats.org/presentationml/2006/main">
   <p:cSld>
     <p:spTree>
@@ -13118,11 +12947,11 @@
   <p:clrMapOvr>
     <a:masterClrMapping/>
   </p:clrMapOvr>
-  <mc:AlternateContent xmlns:mc="http://schemas.openxmlformats.org/markup-compatibility/2006">
-    <mc:Choice xmlns:p14="http://schemas.microsoft.com/office/powerpoint/2010/main" Requires="p14">
+  <mc:AlternateContent xmlns:mc="http://schemas.openxmlformats.org/markup-compatibility/2006" xmlns:p14="http://schemas.microsoft.com/office/powerpoint/2010/main">
+    <mc:Choice Requires="p14">
       <p:transition spd="slow" p14:dur="2000"/>
     </mc:Choice>
-    <mc:Fallback>
+    <mc:Fallback xmlns="">
       <p:transition spd="slow"/>
     </mc:Fallback>
   </mc:AlternateContent>
@@ -13484,7 +13313,7 @@
 </p:sld>
 </file>
 
-<file path=ppt/slides/slide35.xml><?xml version="1.0" encoding="utf-8"?>
+<file path=ppt/slides/slide36.xml><?xml version="1.0" encoding="utf-8"?>
 <p:sld xmlns:a="http://schemas.openxmlformats.org/drawingml/2006/main" xmlns:r="http://schemas.openxmlformats.org/officeDocument/2006/relationships" xmlns:p="http://schemas.openxmlformats.org/presentationml/2006/main">
   <p:cSld>
     <p:spTree>
@@ -13628,11 +13457,11 @@
   <p:clrMapOvr>
     <a:masterClrMapping/>
   </p:clrMapOvr>
-  <mc:AlternateContent xmlns:mc="http://schemas.openxmlformats.org/markup-compatibility/2006">
-    <mc:Choice xmlns:p14="http://schemas.microsoft.com/office/powerpoint/2010/main" Requires="p14">
+  <mc:AlternateContent xmlns:mc="http://schemas.openxmlformats.org/markup-compatibility/2006" xmlns:p14="http://schemas.microsoft.com/office/powerpoint/2010/main">
+    <mc:Choice Requires="p14">
       <p:transition spd="slow" p14:dur="2000"/>
     </mc:Choice>
-    <mc:Fallback>
+    <mc:Fallback xmlns="">
       <p:transition spd="slow"/>
     </mc:Fallback>
   </mc:AlternateContent>
@@ -13913,7 +13742,7 @@
 </p:sld>
 </file>
 
-<file path=ppt/slides/slide36.xml><?xml version="1.0" encoding="utf-8"?>
+<file path=ppt/slides/slide37.xml><?xml version="1.0" encoding="utf-8"?>
 <p:sld xmlns:a="http://schemas.openxmlformats.org/drawingml/2006/main" xmlns:r="http://schemas.openxmlformats.org/officeDocument/2006/relationships" xmlns:p="http://schemas.openxmlformats.org/presentationml/2006/main">
   <p:cSld>
     <p:spTree>
@@ -14091,11 +13920,11 @@
   <p:clrMapOvr>
     <a:masterClrMapping/>
   </p:clrMapOvr>
-  <mc:AlternateContent xmlns:mc="http://schemas.openxmlformats.org/markup-compatibility/2006">
-    <mc:Choice xmlns:p14="http://schemas.microsoft.com/office/powerpoint/2010/main" Requires="p14">
+  <mc:AlternateContent xmlns:mc="http://schemas.openxmlformats.org/markup-compatibility/2006" xmlns:p14="http://schemas.microsoft.com/office/powerpoint/2010/main">
+    <mc:Choice Requires="p14">
       <p:transition spd="slow" p14:dur="2000"/>
     </mc:Choice>
-    <mc:Fallback>
+    <mc:Fallback xmlns="">
       <p:transition spd="slow"/>
     </mc:Fallback>
   </mc:AlternateContent>
@@ -14400,7 +14229,7 @@
 </p:sld>
 </file>
 
-<file path=ppt/slides/slide37.xml><?xml version="1.0" encoding="utf-8"?>
+<file path=ppt/slides/slide38.xml><?xml version="1.0" encoding="utf-8"?>
 <p:sld xmlns:a="http://schemas.openxmlformats.org/drawingml/2006/main" xmlns:r="http://schemas.openxmlformats.org/officeDocument/2006/relationships" xmlns:p="http://schemas.openxmlformats.org/presentationml/2006/main">
   <p:cSld>
     <p:spTree>
@@ -14547,11 +14376,11 @@
   <p:clrMapOvr>
     <a:masterClrMapping/>
   </p:clrMapOvr>
-  <mc:AlternateContent xmlns:mc="http://schemas.openxmlformats.org/markup-compatibility/2006">
-    <mc:Choice xmlns:p14="http://schemas.microsoft.com/office/powerpoint/2010/main" Requires="p14">
+  <mc:AlternateContent xmlns:mc="http://schemas.openxmlformats.org/markup-compatibility/2006" xmlns:p14="http://schemas.microsoft.com/office/powerpoint/2010/main">
+    <mc:Choice Requires="p14">
       <p:transition spd="slow" p14:dur="2000"/>
     </mc:Choice>
-    <mc:Fallback>
+    <mc:Fallback xmlns="">
       <p:transition spd="slow"/>
     </mc:Fallback>
   </mc:AlternateContent>
@@ -14835,7 +14664,7 @@
 </p:sld>
 </file>
 
-<file path=ppt/slides/slide38.xml><?xml version="1.0" encoding="utf-8"?>
+<file path=ppt/slides/slide39.xml><?xml version="1.0" encoding="utf-8"?>
 <p:sld xmlns:a="http://schemas.openxmlformats.org/drawingml/2006/main" xmlns:r="http://schemas.openxmlformats.org/officeDocument/2006/relationships" xmlns:p="http://schemas.openxmlformats.org/presentationml/2006/main">
   <p:cSld>
     <p:spTree>
@@ -15004,11 +14833,11 @@
   <p:clrMapOvr>
     <a:masterClrMapping/>
   </p:clrMapOvr>
-  <mc:AlternateContent xmlns:mc="http://schemas.openxmlformats.org/markup-compatibility/2006">
-    <mc:Choice xmlns:p14="http://schemas.microsoft.com/office/powerpoint/2010/main" Requires="p14">
+  <mc:AlternateContent xmlns:mc="http://schemas.openxmlformats.org/markup-compatibility/2006" xmlns:p14="http://schemas.microsoft.com/office/powerpoint/2010/main">
+    <mc:Choice Requires="p14">
       <p:transition spd="slow" p14:dur="2000"/>
     </mc:Choice>
-    <mc:Fallback>
+    <mc:Fallback xmlns="">
       <p:transition spd="slow"/>
     </mc:Fallback>
   </mc:AlternateContent>
@@ -15301,7 +15130,393 @@
 </p:sld>
 </file>
 
-<file path=ppt/slides/slide39.xml><?xml version="1.0" encoding="utf-8"?>
+<file path=ppt/slides/slide4.xml><?xml version="1.0" encoding="utf-8"?>
+<p:sld xmlns:a="http://schemas.openxmlformats.org/drawingml/2006/main" xmlns:r="http://schemas.openxmlformats.org/officeDocument/2006/relationships" xmlns:p="http://schemas.openxmlformats.org/presentationml/2006/main">
+  <p:cSld>
+    <p:spTree>
+      <p:nvGrpSpPr>
+        <p:cNvPr id="1" name=""/>
+        <p:cNvGrpSpPr/>
+        <p:nvPr/>
+      </p:nvGrpSpPr>
+      <p:grpSpPr>
+        <a:xfrm>
+          <a:off x="0" y="0"/>
+          <a:ext cx="0" cy="0"/>
+          <a:chOff x="0" y="0"/>
+          <a:chExt cx="0" cy="0"/>
+        </a:xfrm>
+      </p:grpSpPr>
+      <p:sp>
+        <p:nvSpPr>
+          <p:cNvPr id="58" name="Shape 58"/>
+          <p:cNvSpPr>
+            <a:spLocks noGrp="1"/>
+          </p:cNvSpPr>
+          <p:nvPr>
+            <p:ph type="title"/>
+          </p:nvPr>
+        </p:nvSpPr>
+        <p:spPr>
+          <a:xfrm>
+            <a:off x="1981200" y="274639"/>
+            <a:ext cx="8229600" cy="1143001"/>
+          </a:xfrm>
+          <a:prstGeom prst="rect">
+            <a:avLst/>
+          </a:prstGeom>
+        </p:spPr>
+        <p:txBody>
+          <a:bodyPr>
+            <a:normAutofit/>
+          </a:bodyPr>
+          <a:lstStyle/>
+          <a:p>
+            <a:pPr lvl="0">
+              <a:defRPr sz="1800"/>
+            </a:pPr>
+            <a:r>
+              <a:rPr sz="4000"/>
+              <a:t>Why learn version control?</a:t>
+            </a:r>
+          </a:p>
+        </p:txBody>
+      </p:sp>
+      <p:sp>
+        <p:nvSpPr>
+          <p:cNvPr id="59" name="Shape 59"/>
+          <p:cNvSpPr>
+            <a:spLocks noGrp="1"/>
+          </p:cNvSpPr>
+          <p:nvPr>
+            <p:ph type="body" idx="1"/>
+          </p:nvPr>
+        </p:nvSpPr>
+        <p:spPr>
+          <a:xfrm>
+            <a:off x="1981200" y="1600201"/>
+            <a:ext cx="8229600" cy="4525963"/>
+          </a:xfrm>
+          <a:prstGeom prst="rect">
+            <a:avLst/>
+          </a:prstGeom>
+        </p:spPr>
+        <p:txBody>
+          <a:bodyPr/>
+          <a:lstStyle/>
+          <a:p>
+            <a:pPr lvl="0">
+              <a:defRPr sz="1800"/>
+            </a:pPr>
+            <a:r>
+              <a:rPr sz="3200"/>
+              <a:t>Version control is useful when you write code, and data scientists write code</a:t>
+            </a:r>
+          </a:p>
+          <a:p>
+            <a:pPr lvl="0">
+              <a:defRPr sz="1800"/>
+            </a:pPr>
+            <a:r>
+              <a:rPr sz="3200"/>
+              <a:t>Enables teams to easily collaborate on the same codebase</a:t>
+            </a:r>
+          </a:p>
+          <a:p>
+            <a:pPr lvl="0">
+              <a:defRPr sz="1800"/>
+            </a:pPr>
+            <a:r>
+              <a:rPr sz="3200"/>
+              <a:t>Enables you to contribute to open source projects</a:t>
+            </a:r>
+          </a:p>
+          <a:p>
+            <a:pPr lvl="0">
+              <a:defRPr sz="1800"/>
+            </a:pPr>
+            <a:r>
+              <a:rPr sz="3200"/>
+              <a:t>Attractive skill for employment</a:t>
+            </a:r>
+          </a:p>
+        </p:txBody>
+      </p:sp>
+    </p:spTree>
+    <p:extLst>
+      <p:ext uri="{BB962C8B-B14F-4D97-AF65-F5344CB8AC3E}">
+        <p14:creationId xmlns:p14="http://schemas.microsoft.com/office/powerpoint/2010/main" val="1151572322"/>
+      </p:ext>
+    </p:extLst>
+  </p:cSld>
+  <p:clrMapOvr>
+    <a:masterClrMapping/>
+  </p:clrMapOvr>
+  <mc:AlternateContent xmlns:mc="http://schemas.openxmlformats.org/markup-compatibility/2006" xmlns:p14="http://schemas.microsoft.com/office/powerpoint/2010/main">
+    <mc:Choice Requires="p14">
+      <p:transition spd="slow" p14:dur="2000"/>
+    </mc:Choice>
+    <mc:Fallback xmlns="">
+      <p:transition spd="slow"/>
+    </mc:Fallback>
+  </mc:AlternateContent>
+  <p:timing>
+    <p:tnLst>
+      <p:par>
+        <p:cTn id="1" dur="indefinite" restart="never" fill="hold" nodeType="tmRoot">
+          <p:childTnLst>
+            <p:seq concurrent="1" prevAc="none" nextAc="seek">
+              <p:cTn id="2" dur="indefinite" fill="hold" nodeType="mainSeq">
+                <p:childTnLst>
+                  <p:par>
+                    <p:cTn id="3" fill="hold">
+                      <p:stCondLst>
+                        <p:cond delay="indefinite"/>
+                      </p:stCondLst>
+                      <p:childTnLst>
+                        <p:par>
+                          <p:cTn id="4" fill="hold">
+                            <p:stCondLst>
+                              <p:cond delay="0"/>
+                            </p:stCondLst>
+                            <p:childTnLst>
+                              <p:par>
+                                <p:cTn id="5" presetID="1" presetClass="entr" presetSubtype="0" fill="hold" grpId="0" nodeType="clickEffect">
+                                  <p:stCondLst>
+                                    <p:cond delay="0"/>
+                                  </p:stCondLst>
+                                  <p:iterate>
+                                    <p:tmAbs val="0"/>
+                                  </p:iterate>
+                                  <p:childTnLst>
+                                    <p:set>
+                                      <p:cBhvr>
+                                        <p:cTn id="6" fill="hold"/>
+                                        <p:tgtEl>
+                                          <p:spTgt spid="59">
+                                            <p:bg/>
+                                          </p:spTgt>
+                                        </p:tgtEl>
+                                        <p:attrNameLst>
+                                          <p:attrName>style.visibility</p:attrName>
+                                        </p:attrNameLst>
+                                      </p:cBhvr>
+                                      <p:to>
+                                        <p:strVal val="visible"/>
+                                      </p:to>
+                                    </p:set>
+                                  </p:childTnLst>
+                                </p:cTn>
+                              </p:par>
+                              <p:par>
+                                <p:cTn id="7" presetID="1" presetClass="entr" presetSubtype="0" fill="hold" grpId="0">
+                                  <p:stCondLst>
+                                    <p:cond delay="0"/>
+                                  </p:stCondLst>
+                                  <p:iterate>
+                                    <p:tmAbs val="0"/>
+                                  </p:iterate>
+                                  <p:childTnLst>
+                                    <p:set>
+                                      <p:cBhvr>
+                                        <p:cTn id="8" fill="hold"/>
+                                        <p:tgtEl>
+                                          <p:spTgt spid="59">
+                                            <p:txEl>
+                                              <p:pRg st="0" end="0"/>
+                                            </p:txEl>
+                                          </p:spTgt>
+                                        </p:tgtEl>
+                                        <p:attrNameLst>
+                                          <p:attrName>style.visibility</p:attrName>
+                                        </p:attrNameLst>
+                                      </p:cBhvr>
+                                      <p:to>
+                                        <p:strVal val="visible"/>
+                                      </p:to>
+                                    </p:set>
+                                  </p:childTnLst>
+                                </p:cTn>
+                              </p:par>
+                            </p:childTnLst>
+                          </p:cTn>
+                        </p:par>
+                      </p:childTnLst>
+                    </p:cTn>
+                  </p:par>
+                  <p:par>
+                    <p:cTn id="9" fill="hold">
+                      <p:stCondLst>
+                        <p:cond delay="indefinite"/>
+                      </p:stCondLst>
+                      <p:childTnLst>
+                        <p:par>
+                          <p:cTn id="10" fill="hold">
+                            <p:stCondLst>
+                              <p:cond delay="0"/>
+                            </p:stCondLst>
+                            <p:childTnLst>
+                              <p:par>
+                                <p:cTn id="11" presetID="1" presetClass="entr" presetSubtype="0" fill="hold" grpId="0" nodeType="clickEffect">
+                                  <p:stCondLst>
+                                    <p:cond delay="0"/>
+                                  </p:stCondLst>
+                                  <p:iterate>
+                                    <p:tmAbs val="0"/>
+                                  </p:iterate>
+                                  <p:childTnLst>
+                                    <p:set>
+                                      <p:cBhvr>
+                                        <p:cTn id="12" fill="hold"/>
+                                        <p:tgtEl>
+                                          <p:spTgt spid="59">
+                                            <p:txEl>
+                                              <p:pRg st="1" end="1"/>
+                                            </p:txEl>
+                                          </p:spTgt>
+                                        </p:tgtEl>
+                                        <p:attrNameLst>
+                                          <p:attrName>style.visibility</p:attrName>
+                                        </p:attrNameLst>
+                                      </p:cBhvr>
+                                      <p:to>
+                                        <p:strVal val="visible"/>
+                                      </p:to>
+                                    </p:set>
+                                  </p:childTnLst>
+                                </p:cTn>
+                              </p:par>
+                            </p:childTnLst>
+                          </p:cTn>
+                        </p:par>
+                      </p:childTnLst>
+                    </p:cTn>
+                  </p:par>
+                  <p:par>
+                    <p:cTn id="13" fill="hold">
+                      <p:stCondLst>
+                        <p:cond delay="indefinite"/>
+                      </p:stCondLst>
+                      <p:childTnLst>
+                        <p:par>
+                          <p:cTn id="14" fill="hold">
+                            <p:stCondLst>
+                              <p:cond delay="0"/>
+                            </p:stCondLst>
+                            <p:childTnLst>
+                              <p:par>
+                                <p:cTn id="15" presetID="1" presetClass="entr" presetSubtype="0" fill="hold" grpId="0" nodeType="clickEffect">
+                                  <p:stCondLst>
+                                    <p:cond delay="0"/>
+                                  </p:stCondLst>
+                                  <p:iterate>
+                                    <p:tmAbs val="0"/>
+                                  </p:iterate>
+                                  <p:childTnLst>
+                                    <p:set>
+                                      <p:cBhvr>
+                                        <p:cTn id="16" fill="hold"/>
+                                        <p:tgtEl>
+                                          <p:spTgt spid="59">
+                                            <p:txEl>
+                                              <p:pRg st="2" end="2"/>
+                                            </p:txEl>
+                                          </p:spTgt>
+                                        </p:tgtEl>
+                                        <p:attrNameLst>
+                                          <p:attrName>style.visibility</p:attrName>
+                                        </p:attrNameLst>
+                                      </p:cBhvr>
+                                      <p:to>
+                                        <p:strVal val="visible"/>
+                                      </p:to>
+                                    </p:set>
+                                  </p:childTnLst>
+                                </p:cTn>
+                              </p:par>
+                            </p:childTnLst>
+                          </p:cTn>
+                        </p:par>
+                      </p:childTnLst>
+                    </p:cTn>
+                  </p:par>
+                  <p:par>
+                    <p:cTn id="17" fill="hold">
+                      <p:stCondLst>
+                        <p:cond delay="indefinite"/>
+                      </p:stCondLst>
+                      <p:childTnLst>
+                        <p:par>
+                          <p:cTn id="18" fill="hold">
+                            <p:stCondLst>
+                              <p:cond delay="0"/>
+                            </p:stCondLst>
+                            <p:childTnLst>
+                              <p:par>
+                                <p:cTn id="19" presetID="1" presetClass="entr" presetSubtype="0" fill="hold" grpId="0" nodeType="clickEffect">
+                                  <p:stCondLst>
+                                    <p:cond delay="0"/>
+                                  </p:stCondLst>
+                                  <p:iterate>
+                                    <p:tmAbs val="0"/>
+                                  </p:iterate>
+                                  <p:childTnLst>
+                                    <p:set>
+                                      <p:cBhvr>
+                                        <p:cTn id="20" fill="hold"/>
+                                        <p:tgtEl>
+                                          <p:spTgt spid="59">
+                                            <p:txEl>
+                                              <p:pRg st="3" end="3"/>
+                                            </p:txEl>
+                                          </p:spTgt>
+                                        </p:tgtEl>
+                                        <p:attrNameLst>
+                                          <p:attrName>style.visibility</p:attrName>
+                                        </p:attrNameLst>
+                                      </p:cBhvr>
+                                      <p:to>
+                                        <p:strVal val="visible"/>
+                                      </p:to>
+                                    </p:set>
+                                  </p:childTnLst>
+                                </p:cTn>
+                              </p:par>
+                            </p:childTnLst>
+                          </p:cTn>
+                        </p:par>
+                      </p:childTnLst>
+                    </p:cTn>
+                  </p:par>
+                </p:childTnLst>
+              </p:cTn>
+              <p:prevCondLst>
+                <p:cond evt="onPrev" delay="0">
+                  <p:tgtEl>
+                    <p:sldTgt/>
+                  </p:tgtEl>
+                </p:cond>
+              </p:prevCondLst>
+              <p:nextCondLst>
+                <p:cond evt="onNext" delay="0">
+                  <p:tgtEl>
+                    <p:sldTgt/>
+                  </p:tgtEl>
+                </p:cond>
+              </p:nextCondLst>
+            </p:seq>
+          </p:childTnLst>
+        </p:cTn>
+      </p:par>
+    </p:tnLst>
+    <p:bldLst>
+      <p:bldP spid="59" grpId="0" build="p" animBg="1" advAuto="0"/>
+    </p:bldLst>
+  </p:timing>
+</p:sld>
+</file>
+
+<file path=ppt/slides/slide40.xml><?xml version="1.0" encoding="utf-8"?>
 <p:sld xmlns:a="http://schemas.openxmlformats.org/drawingml/2006/main" xmlns:r="http://schemas.openxmlformats.org/officeDocument/2006/relationships" xmlns:p="http://schemas.openxmlformats.org/presentationml/2006/main">
   <p:cSld>
     <p:spTree>
@@ -15445,11 +15660,11 @@
   <p:clrMapOvr>
     <a:masterClrMapping/>
   </p:clrMapOvr>
-  <mc:AlternateContent xmlns:mc="http://schemas.openxmlformats.org/markup-compatibility/2006">
-    <mc:Choice xmlns:p14="http://schemas.microsoft.com/office/powerpoint/2010/main" Requires="p14">
+  <mc:AlternateContent xmlns:mc="http://schemas.openxmlformats.org/markup-compatibility/2006" xmlns:p14="http://schemas.microsoft.com/office/powerpoint/2010/main">
+    <mc:Choice Requires="p14">
       <p:transition spd="slow" p14:dur="2000"/>
     </mc:Choice>
-    <mc:Fallback>
+    <mc:Fallback xmlns="">
       <p:transition spd="slow"/>
     </mc:Fallback>
   </mc:AlternateContent>
@@ -15757,393 +15972,7 @@
 </p:sld>
 </file>
 
-<file path=ppt/slides/slide4.xml><?xml version="1.0" encoding="utf-8"?>
-<p:sld xmlns:a="http://schemas.openxmlformats.org/drawingml/2006/main" xmlns:r="http://schemas.openxmlformats.org/officeDocument/2006/relationships" xmlns:p="http://schemas.openxmlformats.org/presentationml/2006/main">
-  <p:cSld>
-    <p:spTree>
-      <p:nvGrpSpPr>
-        <p:cNvPr id="1" name=""/>
-        <p:cNvGrpSpPr/>
-        <p:nvPr/>
-      </p:nvGrpSpPr>
-      <p:grpSpPr>
-        <a:xfrm>
-          <a:off x="0" y="0"/>
-          <a:ext cx="0" cy="0"/>
-          <a:chOff x="0" y="0"/>
-          <a:chExt cx="0" cy="0"/>
-        </a:xfrm>
-      </p:grpSpPr>
-      <p:sp>
-        <p:nvSpPr>
-          <p:cNvPr id="58" name="Shape 58"/>
-          <p:cNvSpPr>
-            <a:spLocks noGrp="1"/>
-          </p:cNvSpPr>
-          <p:nvPr>
-            <p:ph type="title"/>
-          </p:nvPr>
-        </p:nvSpPr>
-        <p:spPr>
-          <a:xfrm>
-            <a:off x="1981200" y="274639"/>
-            <a:ext cx="8229600" cy="1143001"/>
-          </a:xfrm>
-          <a:prstGeom prst="rect">
-            <a:avLst/>
-          </a:prstGeom>
-        </p:spPr>
-        <p:txBody>
-          <a:bodyPr>
-            <a:normAutofit/>
-          </a:bodyPr>
-          <a:lstStyle/>
-          <a:p>
-            <a:pPr lvl="0">
-              <a:defRPr sz="1800"/>
-            </a:pPr>
-            <a:r>
-              <a:rPr sz="4000"/>
-              <a:t>Why learn version control?</a:t>
-            </a:r>
-          </a:p>
-        </p:txBody>
-      </p:sp>
-      <p:sp>
-        <p:nvSpPr>
-          <p:cNvPr id="59" name="Shape 59"/>
-          <p:cNvSpPr>
-            <a:spLocks noGrp="1"/>
-          </p:cNvSpPr>
-          <p:nvPr>
-            <p:ph type="body" idx="1"/>
-          </p:nvPr>
-        </p:nvSpPr>
-        <p:spPr>
-          <a:xfrm>
-            <a:off x="1981200" y="1600201"/>
-            <a:ext cx="8229600" cy="4525963"/>
-          </a:xfrm>
-          <a:prstGeom prst="rect">
-            <a:avLst/>
-          </a:prstGeom>
-        </p:spPr>
-        <p:txBody>
-          <a:bodyPr/>
-          <a:lstStyle/>
-          <a:p>
-            <a:pPr lvl="0">
-              <a:defRPr sz="1800"/>
-            </a:pPr>
-            <a:r>
-              <a:rPr sz="3200"/>
-              <a:t>Version control is useful when you write code, and data scientists write code</a:t>
-            </a:r>
-          </a:p>
-          <a:p>
-            <a:pPr lvl="0">
-              <a:defRPr sz="1800"/>
-            </a:pPr>
-            <a:r>
-              <a:rPr sz="3200"/>
-              <a:t>Enables teams to easily collaborate on the same codebase</a:t>
-            </a:r>
-          </a:p>
-          <a:p>
-            <a:pPr lvl="0">
-              <a:defRPr sz="1800"/>
-            </a:pPr>
-            <a:r>
-              <a:rPr sz="3200"/>
-              <a:t>Enables you to contribute to open source projects</a:t>
-            </a:r>
-          </a:p>
-          <a:p>
-            <a:pPr lvl="0">
-              <a:defRPr sz="1800"/>
-            </a:pPr>
-            <a:r>
-              <a:rPr sz="3200"/>
-              <a:t>Attractive skill for employment</a:t>
-            </a:r>
-          </a:p>
-        </p:txBody>
-      </p:sp>
-    </p:spTree>
-    <p:extLst>
-      <p:ext uri="{BB962C8B-B14F-4D97-AF65-F5344CB8AC3E}">
-        <p14:creationId xmlns:p14="http://schemas.microsoft.com/office/powerpoint/2010/main" val="1151572322"/>
-      </p:ext>
-    </p:extLst>
-  </p:cSld>
-  <p:clrMapOvr>
-    <a:masterClrMapping/>
-  </p:clrMapOvr>
-  <mc:AlternateContent xmlns:mc="http://schemas.openxmlformats.org/markup-compatibility/2006">
-    <mc:Choice xmlns:p14="http://schemas.microsoft.com/office/powerpoint/2010/main" Requires="p14">
-      <p:transition spd="slow" p14:dur="2000"/>
-    </mc:Choice>
-    <mc:Fallback>
-      <p:transition spd="slow"/>
-    </mc:Fallback>
-  </mc:AlternateContent>
-  <p:timing>
-    <p:tnLst>
-      <p:par>
-        <p:cTn id="1" dur="indefinite" restart="never" fill="hold" nodeType="tmRoot">
-          <p:childTnLst>
-            <p:seq concurrent="1" prevAc="none" nextAc="seek">
-              <p:cTn id="2" dur="indefinite" fill="hold" nodeType="mainSeq">
-                <p:childTnLst>
-                  <p:par>
-                    <p:cTn id="3" fill="hold">
-                      <p:stCondLst>
-                        <p:cond delay="indefinite"/>
-                      </p:stCondLst>
-                      <p:childTnLst>
-                        <p:par>
-                          <p:cTn id="4" fill="hold">
-                            <p:stCondLst>
-                              <p:cond delay="0"/>
-                            </p:stCondLst>
-                            <p:childTnLst>
-                              <p:par>
-                                <p:cTn id="5" presetID="1" presetClass="entr" presetSubtype="0" fill="hold" grpId="0" nodeType="clickEffect">
-                                  <p:stCondLst>
-                                    <p:cond delay="0"/>
-                                  </p:stCondLst>
-                                  <p:iterate>
-                                    <p:tmAbs val="0"/>
-                                  </p:iterate>
-                                  <p:childTnLst>
-                                    <p:set>
-                                      <p:cBhvr>
-                                        <p:cTn id="6" fill="hold"/>
-                                        <p:tgtEl>
-                                          <p:spTgt spid="59">
-                                            <p:bg/>
-                                          </p:spTgt>
-                                        </p:tgtEl>
-                                        <p:attrNameLst>
-                                          <p:attrName>style.visibility</p:attrName>
-                                        </p:attrNameLst>
-                                      </p:cBhvr>
-                                      <p:to>
-                                        <p:strVal val="visible"/>
-                                      </p:to>
-                                    </p:set>
-                                  </p:childTnLst>
-                                </p:cTn>
-                              </p:par>
-                              <p:par>
-                                <p:cTn id="7" presetID="1" presetClass="entr" presetSubtype="0" fill="hold" grpId="0">
-                                  <p:stCondLst>
-                                    <p:cond delay="0"/>
-                                  </p:stCondLst>
-                                  <p:iterate>
-                                    <p:tmAbs val="0"/>
-                                  </p:iterate>
-                                  <p:childTnLst>
-                                    <p:set>
-                                      <p:cBhvr>
-                                        <p:cTn id="8" fill="hold"/>
-                                        <p:tgtEl>
-                                          <p:spTgt spid="59">
-                                            <p:txEl>
-                                              <p:pRg st="0" end="0"/>
-                                            </p:txEl>
-                                          </p:spTgt>
-                                        </p:tgtEl>
-                                        <p:attrNameLst>
-                                          <p:attrName>style.visibility</p:attrName>
-                                        </p:attrNameLst>
-                                      </p:cBhvr>
-                                      <p:to>
-                                        <p:strVal val="visible"/>
-                                      </p:to>
-                                    </p:set>
-                                  </p:childTnLst>
-                                </p:cTn>
-                              </p:par>
-                            </p:childTnLst>
-                          </p:cTn>
-                        </p:par>
-                      </p:childTnLst>
-                    </p:cTn>
-                  </p:par>
-                  <p:par>
-                    <p:cTn id="9" fill="hold">
-                      <p:stCondLst>
-                        <p:cond delay="indefinite"/>
-                      </p:stCondLst>
-                      <p:childTnLst>
-                        <p:par>
-                          <p:cTn id="10" fill="hold">
-                            <p:stCondLst>
-                              <p:cond delay="0"/>
-                            </p:stCondLst>
-                            <p:childTnLst>
-                              <p:par>
-                                <p:cTn id="11" presetID="1" presetClass="entr" presetSubtype="0" fill="hold" grpId="0" nodeType="clickEffect">
-                                  <p:stCondLst>
-                                    <p:cond delay="0"/>
-                                  </p:stCondLst>
-                                  <p:iterate>
-                                    <p:tmAbs val="0"/>
-                                  </p:iterate>
-                                  <p:childTnLst>
-                                    <p:set>
-                                      <p:cBhvr>
-                                        <p:cTn id="12" fill="hold"/>
-                                        <p:tgtEl>
-                                          <p:spTgt spid="59">
-                                            <p:txEl>
-                                              <p:pRg st="1" end="1"/>
-                                            </p:txEl>
-                                          </p:spTgt>
-                                        </p:tgtEl>
-                                        <p:attrNameLst>
-                                          <p:attrName>style.visibility</p:attrName>
-                                        </p:attrNameLst>
-                                      </p:cBhvr>
-                                      <p:to>
-                                        <p:strVal val="visible"/>
-                                      </p:to>
-                                    </p:set>
-                                  </p:childTnLst>
-                                </p:cTn>
-                              </p:par>
-                            </p:childTnLst>
-                          </p:cTn>
-                        </p:par>
-                      </p:childTnLst>
-                    </p:cTn>
-                  </p:par>
-                  <p:par>
-                    <p:cTn id="13" fill="hold">
-                      <p:stCondLst>
-                        <p:cond delay="indefinite"/>
-                      </p:stCondLst>
-                      <p:childTnLst>
-                        <p:par>
-                          <p:cTn id="14" fill="hold">
-                            <p:stCondLst>
-                              <p:cond delay="0"/>
-                            </p:stCondLst>
-                            <p:childTnLst>
-                              <p:par>
-                                <p:cTn id="15" presetID="1" presetClass="entr" presetSubtype="0" fill="hold" grpId="0" nodeType="clickEffect">
-                                  <p:stCondLst>
-                                    <p:cond delay="0"/>
-                                  </p:stCondLst>
-                                  <p:iterate>
-                                    <p:tmAbs val="0"/>
-                                  </p:iterate>
-                                  <p:childTnLst>
-                                    <p:set>
-                                      <p:cBhvr>
-                                        <p:cTn id="16" fill="hold"/>
-                                        <p:tgtEl>
-                                          <p:spTgt spid="59">
-                                            <p:txEl>
-                                              <p:pRg st="2" end="2"/>
-                                            </p:txEl>
-                                          </p:spTgt>
-                                        </p:tgtEl>
-                                        <p:attrNameLst>
-                                          <p:attrName>style.visibility</p:attrName>
-                                        </p:attrNameLst>
-                                      </p:cBhvr>
-                                      <p:to>
-                                        <p:strVal val="visible"/>
-                                      </p:to>
-                                    </p:set>
-                                  </p:childTnLst>
-                                </p:cTn>
-                              </p:par>
-                            </p:childTnLst>
-                          </p:cTn>
-                        </p:par>
-                      </p:childTnLst>
-                    </p:cTn>
-                  </p:par>
-                  <p:par>
-                    <p:cTn id="17" fill="hold">
-                      <p:stCondLst>
-                        <p:cond delay="indefinite"/>
-                      </p:stCondLst>
-                      <p:childTnLst>
-                        <p:par>
-                          <p:cTn id="18" fill="hold">
-                            <p:stCondLst>
-                              <p:cond delay="0"/>
-                            </p:stCondLst>
-                            <p:childTnLst>
-                              <p:par>
-                                <p:cTn id="19" presetID="1" presetClass="entr" presetSubtype="0" fill="hold" grpId="0" nodeType="clickEffect">
-                                  <p:stCondLst>
-                                    <p:cond delay="0"/>
-                                  </p:stCondLst>
-                                  <p:iterate>
-                                    <p:tmAbs val="0"/>
-                                  </p:iterate>
-                                  <p:childTnLst>
-                                    <p:set>
-                                      <p:cBhvr>
-                                        <p:cTn id="20" fill="hold"/>
-                                        <p:tgtEl>
-                                          <p:spTgt spid="59">
-                                            <p:txEl>
-                                              <p:pRg st="3" end="3"/>
-                                            </p:txEl>
-                                          </p:spTgt>
-                                        </p:tgtEl>
-                                        <p:attrNameLst>
-                                          <p:attrName>style.visibility</p:attrName>
-                                        </p:attrNameLst>
-                                      </p:cBhvr>
-                                      <p:to>
-                                        <p:strVal val="visible"/>
-                                      </p:to>
-                                    </p:set>
-                                  </p:childTnLst>
-                                </p:cTn>
-                              </p:par>
-                            </p:childTnLst>
-                          </p:cTn>
-                        </p:par>
-                      </p:childTnLst>
-                    </p:cTn>
-                  </p:par>
-                </p:childTnLst>
-              </p:cTn>
-              <p:prevCondLst>
-                <p:cond evt="onPrev" delay="0">
-                  <p:tgtEl>
-                    <p:sldTgt/>
-                  </p:tgtEl>
-                </p:cond>
-              </p:prevCondLst>
-              <p:nextCondLst>
-                <p:cond evt="onNext" delay="0">
-                  <p:tgtEl>
-                    <p:sldTgt/>
-                  </p:tgtEl>
-                </p:cond>
-              </p:nextCondLst>
-            </p:seq>
-          </p:childTnLst>
-        </p:cTn>
-      </p:par>
-    </p:tnLst>
-    <p:bldLst>
-      <p:bldP spid="59" grpId="0" build="p" animBg="1" advAuto="0"/>
-    </p:bldLst>
-  </p:timing>
-</p:sld>
-</file>
-
-<file path=ppt/slides/slide40.xml><?xml version="1.0" encoding="utf-8"?>
+<file path=ppt/slides/slide41.xml><?xml version="1.0" encoding="utf-8"?>
 <p:sld xmlns:a="http://schemas.openxmlformats.org/drawingml/2006/main" xmlns:r="http://schemas.openxmlformats.org/officeDocument/2006/relationships" xmlns:p="http://schemas.openxmlformats.org/presentationml/2006/main">
   <p:cSld>
     <p:spTree>
@@ -16263,11 +16092,11 @@
   <p:clrMapOvr>
     <a:masterClrMapping/>
   </p:clrMapOvr>
-  <mc:AlternateContent xmlns:mc="http://schemas.openxmlformats.org/markup-compatibility/2006">
-    <mc:Choice xmlns:p14="http://schemas.microsoft.com/office/powerpoint/2010/main" Requires="p14">
+  <mc:AlternateContent xmlns:mc="http://schemas.openxmlformats.org/markup-compatibility/2006" xmlns:p14="http://schemas.microsoft.com/office/powerpoint/2010/main">
+    <mc:Choice Requires="p14">
       <p:transition spd="slow" p14:dur="2000"/>
     </mc:Choice>
-    <mc:Fallback>
+    <mc:Fallback xmlns="">
       <p:transition spd="slow"/>
     </mc:Fallback>
   </mc:AlternateContent>
@@ -16670,11 +16499,11 @@
   <p:clrMapOvr>
     <a:masterClrMapping/>
   </p:clrMapOvr>
-  <mc:AlternateContent xmlns:mc="http://schemas.openxmlformats.org/markup-compatibility/2006">
-    <mc:Choice xmlns:p14="http://schemas.microsoft.com/office/powerpoint/2010/main" Requires="p14">
+  <mc:AlternateContent xmlns:mc="http://schemas.openxmlformats.org/markup-compatibility/2006" xmlns:p14="http://schemas.microsoft.com/office/powerpoint/2010/main">
+    <mc:Choice Requires="p14">
       <p:transition spd="slow" p14:dur="2000"/>
     </mc:Choice>
-    <mc:Fallback>
+    <mc:Fallback xmlns="">
       <p:transition spd="slow"/>
     </mc:Fallback>
   </mc:AlternateContent>
@@ -17194,11 +17023,11 @@
   <p:clrMapOvr>
     <a:masterClrMapping/>
   </p:clrMapOvr>
-  <mc:AlternateContent xmlns:mc="http://schemas.openxmlformats.org/markup-compatibility/2006">
-    <mc:Choice xmlns:p14="http://schemas.microsoft.com/office/powerpoint/2010/main" Requires="p14">
+  <mc:AlternateContent xmlns:mc="http://schemas.openxmlformats.org/markup-compatibility/2006" xmlns:p14="http://schemas.microsoft.com/office/powerpoint/2010/main">
+    <mc:Choice Requires="p14">
       <p:transition spd="slow" p14:dur="2000"/>
     </mc:Choice>
-    <mc:Fallback>
+    <mc:Fallback xmlns="">
       <p:transition spd="slow"/>
     </mc:Fallback>
   </mc:AlternateContent>
@@ -17751,11 +17580,11 @@
   <p:clrMapOvr>
     <a:masterClrMapping/>
   </p:clrMapOvr>
-  <mc:AlternateContent xmlns:mc="http://schemas.openxmlformats.org/markup-compatibility/2006">
-    <mc:Choice xmlns:p14="http://schemas.microsoft.com/office/powerpoint/2010/main" Requires="p14">
+  <mc:AlternateContent xmlns:mc="http://schemas.openxmlformats.org/markup-compatibility/2006" xmlns:p14="http://schemas.microsoft.com/office/powerpoint/2010/main">
+    <mc:Choice Requires="p14">
       <p:transition spd="slow" p14:dur="2000"/>
     </mc:Choice>
-    <mc:Fallback>
+    <mc:Fallback xmlns="">
       <p:transition spd="slow"/>
     </mc:Fallback>
   </mc:AlternateContent>
@@ -18103,11 +17932,11 @@
   <p:clrMapOvr>
     <a:masterClrMapping/>
   </p:clrMapOvr>
-  <mc:AlternateContent xmlns:mc="http://schemas.openxmlformats.org/markup-compatibility/2006">
-    <mc:Choice xmlns:p14="http://schemas.microsoft.com/office/powerpoint/2010/main" Requires="p14">
+  <mc:AlternateContent xmlns:mc="http://schemas.openxmlformats.org/markup-compatibility/2006" xmlns:p14="http://schemas.microsoft.com/office/powerpoint/2010/main">
+    <mc:Choice Requires="p14">
       <p:transition spd="slow" p14:dur="2000"/>
     </mc:Choice>
-    <mc:Fallback>
+    <mc:Fallback xmlns="">
       <p:transition spd="slow"/>
     </mc:Fallback>
   </mc:AlternateContent>
@@ -18193,32 +18022,12 @@
               <a:defRPr sz="1800"/>
             </a:pPr>
             <a:r>
-              <a:rPr sz="3200"/>
-              <a:t>Create an account at </a:t>
-            </a:r>
-            <a:r>
-              <a:rPr sz="3200" u="sng">
-                <a:solidFill>
-                  <a:srgbClr val="0000FF"/>
-                </a:solidFill>
-                <a:uFill>
-                  <a:solidFill>
-                    <a:srgbClr val="0000FF"/>
-                  </a:solidFill>
-                </a:uFill>
-                <a:hlinkClick r:id="rId2"/>
-              </a:rPr>
-              <a:t>github.com</a:t>
-            </a:r>
-            <a:endParaRPr sz="3200"/>
-          </a:p>
-          <a:p>
-            <a:pPr lvl="0">
-              <a:defRPr sz="1800"/>
-            </a:pPr>
-            <a:r>
-              <a:rPr sz="3200"/>
-              <a:t>There’s nothing to install</a:t>
+              <a:rPr sz="3200" dirty="0" smtClean="0"/>
+              <a:t>There’s </a:t>
+            </a:r>
+            <a:r>
+              <a:rPr sz="3200" dirty="0"/>
+              <a:t>nothing to install</a:t>
             </a:r>
           </a:p>
           <a:p>
@@ -18229,7 +18038,7 @@
               <a:defRPr sz="1800"/>
             </a:pPr>
             <a:r>
-              <a:rPr sz="2800"/>
+              <a:rPr sz="2800" dirty="0"/>
               <a:t>“GitHub for Windows” &amp; “GitHub for Mac” are GUI clients (alternatives to command line)</a:t>
             </a:r>
           </a:p>
@@ -18245,11 +18054,11 @@
   <p:clrMapOvr>
     <a:masterClrMapping/>
   </p:clrMapOvr>
-  <mc:AlternateContent xmlns:mc="http://schemas.openxmlformats.org/markup-compatibility/2006">
-    <mc:Choice xmlns:p14="http://schemas.microsoft.com/office/powerpoint/2010/main" Requires="p14">
+  <mc:AlternateContent xmlns:mc="http://schemas.openxmlformats.org/markup-compatibility/2006" xmlns:p14="http://schemas.microsoft.com/office/powerpoint/2010/main">
+    <mc:Choice Requires="p14">
       <p:transition spd="slow" p14:dur="2000"/>
     </mc:Choice>
-    <mc:Fallback>
+    <mc:Fallback xmlns="">
       <p:transition spd="slow"/>
     </mc:Fallback>
   </mc:AlternateContent>
@@ -18301,8 +18110,26 @@
                                   </p:childTnLst>
                                 </p:cTn>
                               </p:par>
+                            </p:childTnLst>
+                          </p:cTn>
+                        </p:par>
+                      </p:childTnLst>
+                    </p:cTn>
+                  </p:par>
+                  <p:par>
+                    <p:cTn id="7" fill="hold">
+                      <p:stCondLst>
+                        <p:cond delay="indefinite"/>
+                      </p:stCondLst>
+                      <p:childTnLst>
+                        <p:par>
+                          <p:cTn id="8" fill="hold">
+                            <p:stCondLst>
+                              <p:cond delay="0"/>
+                            </p:stCondLst>
+                            <p:childTnLst>
                               <p:par>
-                                <p:cTn id="7" presetID="1" presetClass="entr" presetSubtype="0" fill="hold" grpId="0">
+                                <p:cTn id="9" presetID="1" presetClass="entr" presetSubtype="0" fill="hold" grpId="0" nodeType="clickEffect">
                                   <p:stCondLst>
                                     <p:cond delay="0"/>
                                   </p:stCondLst>
@@ -18312,7 +18139,7 @@
                                   <p:childTnLst>
                                     <p:set>
                                       <p:cBhvr>
-                                        <p:cTn id="8" fill="hold"/>
+                                        <p:cTn id="10" fill="hold"/>
                                         <p:tgtEl>
                                           <p:spTgt spid="74">
                                             <p:txEl>
@@ -18331,26 +18158,8 @@
                                   </p:childTnLst>
                                 </p:cTn>
                               </p:par>
-                            </p:childTnLst>
-                          </p:cTn>
-                        </p:par>
-                      </p:childTnLst>
-                    </p:cTn>
-                  </p:par>
-                  <p:par>
-                    <p:cTn id="9" fill="hold">
-                      <p:stCondLst>
-                        <p:cond delay="indefinite"/>
-                      </p:stCondLst>
-                      <p:childTnLst>
-                        <p:par>
-                          <p:cTn id="10" fill="hold">
-                            <p:stCondLst>
-                              <p:cond delay="0"/>
-                            </p:stCondLst>
-                            <p:childTnLst>
                               <p:par>
-                                <p:cTn id="11" presetID="1" presetClass="entr" presetSubtype="0" fill="hold" grpId="0" nodeType="clickEffect">
+                                <p:cTn id="11" presetID="1" presetClass="entr" presetSubtype="0" fill="hold" grpId="0" nodeType="withEffect">
                                   <p:stCondLst>
                                     <p:cond delay="0"/>
                                   </p:stCondLst>
@@ -18365,36 +18174,6 @@
                                           <p:spTgt spid="74">
                                             <p:txEl>
                                               <p:pRg st="1" end="1"/>
-                                            </p:txEl>
-                                          </p:spTgt>
-                                        </p:tgtEl>
-                                        <p:attrNameLst>
-                                          <p:attrName>style.visibility</p:attrName>
-                                        </p:attrNameLst>
-                                      </p:cBhvr>
-                                      <p:to>
-                                        <p:strVal val="visible"/>
-                                      </p:to>
-                                    </p:set>
-                                  </p:childTnLst>
-                                </p:cTn>
-                              </p:par>
-                              <p:par>
-                                <p:cTn id="13" presetID="1" presetClass="entr" presetSubtype="0" fill="hold" grpId="0" nodeType="withEffect">
-                                  <p:stCondLst>
-                                    <p:cond delay="0"/>
-                                  </p:stCondLst>
-                                  <p:iterate>
-                                    <p:tmAbs val="0"/>
-                                  </p:iterate>
-                                  <p:childTnLst>
-                                    <p:set>
-                                      <p:cBhvr>
-                                        <p:cTn id="14" fill="hold"/>
-                                        <p:tgtEl>
-                                          <p:spTgt spid="74">
-                                            <p:txEl>
-                                              <p:pRg st="2" end="2"/>
                                             </p:txEl>
                                           </p:spTgt>
                                         </p:tgtEl>
